--- a/ETL_MINI-PROJECT.pptx
+++ b/ETL_MINI-PROJECT.pptx
@@ -8,10 +8,13 @@
     <p:sldId id="256" r:id="rId2"/>
     <p:sldId id="257" r:id="rId3"/>
     <p:sldId id="261" r:id="rId4"/>
-    <p:sldId id="259" r:id="rId5"/>
-    <p:sldId id="258" r:id="rId6"/>
-    <p:sldId id="260" r:id="rId7"/>
-    <p:sldId id="262" r:id="rId8"/>
+    <p:sldId id="263" r:id="rId5"/>
+    <p:sldId id="264" r:id="rId6"/>
+    <p:sldId id="265" r:id="rId7"/>
+    <p:sldId id="259" r:id="rId8"/>
+    <p:sldId id="258" r:id="rId9"/>
+    <p:sldId id="260" r:id="rId10"/>
+    <p:sldId id="262" r:id="rId11"/>
   </p:sldIdLst>
   <p:sldSz cx="12192000" cy="6858000"/>
   <p:notesSz cx="6858000" cy="9144000"/>
@@ -110,6 +113,11 @@
       </a:defRPr>
     </a:lvl9pPr>
   </p:defaultTextStyle>
+  <p:extLst>
+    <p:ext uri="{EFAFB233-063F-42B5-8137-9DF3F51BA10A}">
+      <p15:sldGuideLst xmlns:p15="http://schemas.microsoft.com/office/powerpoint/2012/main"/>
+    </p:ext>
+  </p:extLst>
 </p:presentation>
 </file>
 
@@ -163,7 +171,7 @@
           <a:noFill/>
           <a:extLst>
             <a:ext uri="{909E8E84-426E-40dd-AFC4-6F175D3DCCD1}">
-              <a14:hiddenFill xmlns:a14="http://schemas.microsoft.com/office/drawing/2010/main" xmlns="">
+              <a14:hiddenFill xmlns="" xmlns:a14="http://schemas.microsoft.com/office/drawing/2010/main">
                 <a:solidFill>
                   <a:srgbClr val="FFFFFF"/>
                 </a:solidFill>
@@ -223,7 +231,7 @@
             </a:ln>
             <a:extLst>
               <a:ext uri="{91240B29-F687-4f45-9708-019B960494DF}">
-                <a14:hiddenLine xmlns:a14="http://schemas.microsoft.com/office/drawing/2010/main" xmlns="" w="9525">
+                <a14:hiddenLine xmlns="" xmlns:a14="http://schemas.microsoft.com/office/drawing/2010/main" w="9525">
                   <a:solidFill>
                     <a:srgbClr val="000000"/>
                   </a:solidFill>
@@ -313,7 +321,7 @@
             </a:ln>
             <a:extLst>
               <a:ext uri="{91240B29-F687-4f45-9708-019B960494DF}">
-                <a14:hiddenLine xmlns:a14="http://schemas.microsoft.com/office/drawing/2010/main" xmlns="" w="9525">
+                <a14:hiddenLine xmlns="" xmlns:a14="http://schemas.microsoft.com/office/drawing/2010/main" w="9525">
                   <a:solidFill>
                     <a:srgbClr val="000000"/>
                   </a:solidFill>
@@ -403,7 +411,7 @@
             </a:ln>
             <a:extLst>
               <a:ext uri="{91240B29-F687-4f45-9708-019B960494DF}">
-                <a14:hiddenLine xmlns:a14="http://schemas.microsoft.com/office/drawing/2010/main" xmlns="" w="9525">
+                <a14:hiddenLine xmlns="" xmlns:a14="http://schemas.microsoft.com/office/drawing/2010/main" w="9525">
                   <a:solidFill>
                     <a:srgbClr val="000000"/>
                   </a:solidFill>
@@ -437,7 +445,7 @@
             </a:ln>
             <a:extLst>
               <a:ext uri="{91240B29-F687-4f45-9708-019B960494DF}">
-                <a14:hiddenLine xmlns:a14="http://schemas.microsoft.com/office/drawing/2010/main" xmlns="" w="9525">
+                <a14:hiddenLine xmlns="" xmlns:a14="http://schemas.microsoft.com/office/drawing/2010/main" w="9525">
                   <a:solidFill>
                     <a:srgbClr val="000000"/>
                   </a:solidFill>
@@ -527,7 +535,7 @@
             </a:ln>
             <a:extLst>
               <a:ext uri="{91240B29-F687-4f45-9708-019B960494DF}">
-                <a14:hiddenLine xmlns:a14="http://schemas.microsoft.com/office/drawing/2010/main" xmlns="" w="9525">
+                <a14:hiddenLine xmlns="" xmlns:a14="http://schemas.microsoft.com/office/drawing/2010/main" w="9525">
                   <a:solidFill>
                     <a:srgbClr val="000000"/>
                   </a:solidFill>
@@ -589,7 +597,7 @@
             </a:ln>
             <a:extLst>
               <a:ext uri="{91240B29-F687-4f45-9708-019B960494DF}">
-                <a14:hiddenLine xmlns:a14="http://schemas.microsoft.com/office/drawing/2010/main" xmlns="" w="9525">
+                <a14:hiddenLine xmlns="" xmlns:a14="http://schemas.microsoft.com/office/drawing/2010/main" w="9525">
                   <a:solidFill>
                     <a:srgbClr val="000000"/>
                   </a:solidFill>
@@ -651,7 +659,7 @@
             </a:ln>
             <a:extLst>
               <a:ext uri="{91240B29-F687-4f45-9708-019B960494DF}">
-                <a14:hiddenLine xmlns:a14="http://schemas.microsoft.com/office/drawing/2010/main" xmlns="" w="9525">
+                <a14:hiddenLine xmlns="" xmlns:a14="http://schemas.microsoft.com/office/drawing/2010/main" w="9525">
                   <a:solidFill>
                     <a:srgbClr val="000000"/>
                   </a:solidFill>
@@ -741,7 +749,7 @@
             </a:ln>
             <a:extLst>
               <a:ext uri="{91240B29-F687-4f45-9708-019B960494DF}">
-                <a14:hiddenLine xmlns:a14="http://schemas.microsoft.com/office/drawing/2010/main" xmlns="" w="9525">
+                <a14:hiddenLine xmlns="" xmlns:a14="http://schemas.microsoft.com/office/drawing/2010/main" w="9525">
                   <a:solidFill>
                     <a:srgbClr val="000000"/>
                   </a:solidFill>
@@ -803,7 +811,7 @@
             </a:ln>
             <a:extLst>
               <a:ext uri="{91240B29-F687-4f45-9708-019B960494DF}">
-                <a14:hiddenLine xmlns:a14="http://schemas.microsoft.com/office/drawing/2010/main" xmlns="" w="9525">
+                <a14:hiddenLine xmlns="" xmlns:a14="http://schemas.microsoft.com/office/drawing/2010/main" w="9525">
                   <a:solidFill>
                     <a:srgbClr val="000000"/>
                   </a:solidFill>
@@ -865,7 +873,7 @@
             </a:ln>
             <a:extLst>
               <a:ext uri="{91240B29-F687-4f45-9708-019B960494DF}">
-                <a14:hiddenLine xmlns:a14="http://schemas.microsoft.com/office/drawing/2010/main" xmlns="" w="9525">
+                <a14:hiddenLine xmlns="" xmlns:a14="http://schemas.microsoft.com/office/drawing/2010/main" w="9525">
                   <a:solidFill>
                     <a:srgbClr val="000000"/>
                   </a:solidFill>
@@ -955,7 +963,7 @@
             </a:ln>
             <a:extLst>
               <a:ext uri="{91240B29-F687-4f45-9708-019B960494DF}">
-                <a14:hiddenLine xmlns:a14="http://schemas.microsoft.com/office/drawing/2010/main" xmlns="" w="9525">
+                <a14:hiddenLine xmlns="" xmlns:a14="http://schemas.microsoft.com/office/drawing/2010/main" w="9525">
                   <a:solidFill>
                     <a:srgbClr val="000000"/>
                   </a:solidFill>
@@ -1045,7 +1053,7 @@
             </a:ln>
             <a:extLst>
               <a:ext uri="{91240B29-F687-4f45-9708-019B960494DF}">
-                <a14:hiddenLine xmlns:a14="http://schemas.microsoft.com/office/drawing/2010/main" xmlns="" w="9525">
+                <a14:hiddenLine xmlns="" xmlns:a14="http://schemas.microsoft.com/office/drawing/2010/main" w="9525">
                   <a:solidFill>
                     <a:srgbClr val="000000"/>
                   </a:solidFill>
@@ -1107,7 +1115,7 @@
             </a:ln>
             <a:extLst>
               <a:ext uri="{91240B29-F687-4f45-9708-019B960494DF}">
-                <a14:hiddenLine xmlns:a14="http://schemas.microsoft.com/office/drawing/2010/main" xmlns="" w="9525">
+                <a14:hiddenLine xmlns="" xmlns:a14="http://schemas.microsoft.com/office/drawing/2010/main" w="9525">
                   <a:solidFill>
                     <a:srgbClr val="000000"/>
                   </a:solidFill>
@@ -1217,7 +1225,7 @@
             </a:ln>
             <a:extLst>
               <a:ext uri="{91240B29-F687-4f45-9708-019B960494DF}">
-                <a14:hiddenLine xmlns:a14="http://schemas.microsoft.com/office/drawing/2010/main" xmlns="" w="9525">
+                <a14:hiddenLine xmlns="" xmlns:a14="http://schemas.microsoft.com/office/drawing/2010/main" w="9525">
                   <a:solidFill>
                     <a:srgbClr val="000000"/>
                   </a:solidFill>
@@ -1279,7 +1287,7 @@
             </a:ln>
             <a:extLst>
               <a:ext uri="{91240B29-F687-4f45-9708-019B960494DF}">
-                <a14:hiddenLine xmlns:a14="http://schemas.microsoft.com/office/drawing/2010/main" xmlns="" w="9525">
+                <a14:hiddenLine xmlns="" xmlns:a14="http://schemas.microsoft.com/office/drawing/2010/main" w="9525">
                   <a:solidFill>
                     <a:srgbClr val="000000"/>
                   </a:solidFill>
@@ -1369,7 +1377,7 @@
             </a:ln>
             <a:extLst>
               <a:ext uri="{91240B29-F687-4f45-9708-019B960494DF}">
-                <a14:hiddenLine xmlns:a14="http://schemas.microsoft.com/office/drawing/2010/main" xmlns="" w="9525">
+                <a14:hiddenLine xmlns="" xmlns:a14="http://schemas.microsoft.com/office/drawing/2010/main" w="9525">
                   <a:solidFill>
                     <a:srgbClr val="000000"/>
                   </a:solidFill>
@@ -1459,7 +1467,7 @@
             </a:ln>
             <a:extLst>
               <a:ext uri="{91240B29-F687-4f45-9708-019B960494DF}">
-                <a14:hiddenLine xmlns:a14="http://schemas.microsoft.com/office/drawing/2010/main" xmlns="" w="9525">
+                <a14:hiddenLine xmlns="" xmlns:a14="http://schemas.microsoft.com/office/drawing/2010/main" w="9525">
                   <a:solidFill>
                     <a:srgbClr val="000000"/>
                   </a:solidFill>
@@ -1521,7 +1529,7 @@
             </a:ln>
             <a:extLst>
               <a:ext uri="{91240B29-F687-4f45-9708-019B960494DF}">
-                <a14:hiddenLine xmlns:a14="http://schemas.microsoft.com/office/drawing/2010/main" xmlns="" w="9525">
+                <a14:hiddenLine xmlns="" xmlns:a14="http://schemas.microsoft.com/office/drawing/2010/main" w="9525">
                   <a:solidFill>
                     <a:srgbClr val="000000"/>
                   </a:solidFill>
@@ -1611,7 +1619,7 @@
             </a:ln>
             <a:extLst>
               <a:ext uri="{91240B29-F687-4f45-9708-019B960494DF}">
-                <a14:hiddenLine xmlns:a14="http://schemas.microsoft.com/office/drawing/2010/main" xmlns="" w="9525">
+                <a14:hiddenLine xmlns="" xmlns:a14="http://schemas.microsoft.com/office/drawing/2010/main" w="9525">
                   <a:solidFill>
                     <a:srgbClr val="000000"/>
                   </a:solidFill>
@@ -1701,7 +1709,7 @@
             </a:ln>
             <a:extLst>
               <a:ext uri="{91240B29-F687-4f45-9708-019B960494DF}">
-                <a14:hiddenLine xmlns:a14="http://schemas.microsoft.com/office/drawing/2010/main" xmlns="" w="9525">
+                <a14:hiddenLine xmlns="" xmlns:a14="http://schemas.microsoft.com/office/drawing/2010/main" w="9525">
                   <a:solidFill>
                     <a:srgbClr val="000000"/>
                   </a:solidFill>
@@ -1757,7 +1765,7 @@
             </a:ln>
             <a:extLst>
               <a:ext uri="{91240B29-F687-4f45-9708-019B960494DF}">
-                <a14:hiddenLine xmlns:a14="http://schemas.microsoft.com/office/drawing/2010/main" xmlns="" w="9525">
+                <a14:hiddenLine xmlns="" xmlns:a14="http://schemas.microsoft.com/office/drawing/2010/main" w="9525">
                   <a:solidFill>
                     <a:srgbClr val="000000"/>
                   </a:solidFill>
@@ -1847,7 +1855,7 @@
             </a:ln>
             <a:extLst>
               <a:ext uri="{91240B29-F687-4f45-9708-019B960494DF}">
-                <a14:hiddenLine xmlns:a14="http://schemas.microsoft.com/office/drawing/2010/main" xmlns="" w="9525">
+                <a14:hiddenLine xmlns="" xmlns:a14="http://schemas.microsoft.com/office/drawing/2010/main" w="9525">
                   <a:solidFill>
                     <a:srgbClr val="000000"/>
                   </a:solidFill>
@@ -1903,7 +1911,7 @@
             </a:ln>
             <a:extLst>
               <a:ext uri="{91240B29-F687-4f45-9708-019B960494DF}">
-                <a14:hiddenLine xmlns:a14="http://schemas.microsoft.com/office/drawing/2010/main" xmlns="" w="9525">
+                <a14:hiddenLine xmlns="" xmlns:a14="http://schemas.microsoft.com/office/drawing/2010/main" w="9525">
                   <a:solidFill>
                     <a:srgbClr val="000000"/>
                   </a:solidFill>
@@ -1993,7 +2001,7 @@
             </a:ln>
             <a:extLst>
               <a:ext uri="{91240B29-F687-4f45-9708-019B960494DF}">
-                <a14:hiddenLine xmlns:a14="http://schemas.microsoft.com/office/drawing/2010/main" xmlns="" w="9525">
+                <a14:hiddenLine xmlns="" xmlns:a14="http://schemas.microsoft.com/office/drawing/2010/main" w="9525">
                   <a:solidFill>
                     <a:srgbClr val="000000"/>
                   </a:solidFill>
@@ -2061,7 +2069,7 @@
             </a:ln>
             <a:extLst>
               <a:ext uri="{91240B29-F687-4f45-9708-019B960494DF}">
-                <a14:hiddenLine xmlns:a14="http://schemas.microsoft.com/office/drawing/2010/main" xmlns="" w="9525">
+                <a14:hiddenLine xmlns="" xmlns:a14="http://schemas.microsoft.com/office/drawing/2010/main" w="9525">
                   <a:solidFill>
                     <a:srgbClr val="000000"/>
                   </a:solidFill>
@@ -2151,7 +2159,7 @@
             </a:ln>
             <a:extLst>
               <a:ext uri="{91240B29-F687-4f45-9708-019B960494DF}">
-                <a14:hiddenLine xmlns:a14="http://schemas.microsoft.com/office/drawing/2010/main" xmlns="" w="9525">
+                <a14:hiddenLine xmlns="" xmlns:a14="http://schemas.microsoft.com/office/drawing/2010/main" w="9525">
                   <a:solidFill>
                     <a:srgbClr val="000000"/>
                   </a:solidFill>
@@ -2219,7 +2227,7 @@
             </a:ln>
             <a:extLst>
               <a:ext uri="{91240B29-F687-4f45-9708-019B960494DF}">
-                <a14:hiddenLine xmlns:a14="http://schemas.microsoft.com/office/drawing/2010/main" xmlns="" w="9525">
+                <a14:hiddenLine xmlns="" xmlns:a14="http://schemas.microsoft.com/office/drawing/2010/main" w="9525">
                   <a:solidFill>
                     <a:srgbClr val="000000"/>
                   </a:solidFill>
@@ -2309,7 +2317,7 @@
             </a:ln>
             <a:extLst>
               <a:ext uri="{91240B29-F687-4f45-9708-019B960494DF}">
-                <a14:hiddenLine xmlns:a14="http://schemas.microsoft.com/office/drawing/2010/main" xmlns="" w="9525">
+                <a14:hiddenLine xmlns="" xmlns:a14="http://schemas.microsoft.com/office/drawing/2010/main" w="9525">
                   <a:solidFill>
                     <a:srgbClr val="000000"/>
                   </a:solidFill>
@@ -2343,7 +2351,7 @@
             </a:ln>
             <a:extLst>
               <a:ext uri="{91240B29-F687-4f45-9708-019B960494DF}">
-                <a14:hiddenLine xmlns:a14="http://schemas.microsoft.com/office/drawing/2010/main" xmlns="" w="9525">
+                <a14:hiddenLine xmlns="" xmlns:a14="http://schemas.microsoft.com/office/drawing/2010/main" w="9525">
                   <a:solidFill>
                     <a:srgbClr val="000000"/>
                   </a:solidFill>
@@ -2433,7 +2441,7 @@
             </a:ln>
             <a:extLst>
               <a:ext uri="{91240B29-F687-4f45-9708-019B960494DF}">
-                <a14:hiddenLine xmlns:a14="http://schemas.microsoft.com/office/drawing/2010/main" xmlns="" w="9525">
+                <a14:hiddenLine xmlns="" xmlns:a14="http://schemas.microsoft.com/office/drawing/2010/main" w="9525">
                   <a:solidFill>
                     <a:srgbClr val="000000"/>
                   </a:solidFill>
@@ -2495,7 +2503,7 @@
             </a:ln>
             <a:extLst>
               <a:ext uri="{91240B29-F687-4f45-9708-019B960494DF}">
-                <a14:hiddenLine xmlns:a14="http://schemas.microsoft.com/office/drawing/2010/main" xmlns="" w="9525">
+                <a14:hiddenLine xmlns="" xmlns:a14="http://schemas.microsoft.com/office/drawing/2010/main" w="9525">
                   <a:solidFill>
                     <a:srgbClr val="000000"/>
                   </a:solidFill>
@@ -2557,7 +2565,7 @@
             </a:ln>
             <a:extLst>
               <a:ext uri="{91240B29-F687-4f45-9708-019B960494DF}">
-                <a14:hiddenLine xmlns:a14="http://schemas.microsoft.com/office/drawing/2010/main" xmlns="" w="9525">
+                <a14:hiddenLine xmlns="" xmlns:a14="http://schemas.microsoft.com/office/drawing/2010/main" w="9525">
                   <a:solidFill>
                     <a:srgbClr val="000000"/>
                   </a:solidFill>
@@ -2647,7 +2655,7 @@
             </a:ln>
             <a:extLst>
               <a:ext uri="{91240B29-F687-4f45-9708-019B960494DF}">
-                <a14:hiddenLine xmlns:a14="http://schemas.microsoft.com/office/drawing/2010/main" xmlns="" w="9525">
+                <a14:hiddenLine xmlns="" xmlns:a14="http://schemas.microsoft.com/office/drawing/2010/main" w="9525">
                   <a:solidFill>
                     <a:srgbClr val="000000"/>
                   </a:solidFill>
@@ -2715,7 +2723,7 @@
             </a:ln>
             <a:extLst>
               <a:ext uri="{91240B29-F687-4f45-9708-019B960494DF}">
-                <a14:hiddenLine xmlns:a14="http://schemas.microsoft.com/office/drawing/2010/main" xmlns="" w="9525">
+                <a14:hiddenLine xmlns="" xmlns:a14="http://schemas.microsoft.com/office/drawing/2010/main" w="9525">
                   <a:solidFill>
                     <a:srgbClr val="000000"/>
                   </a:solidFill>
@@ -2777,7 +2785,7 @@
             </a:ln>
             <a:extLst>
               <a:ext uri="{91240B29-F687-4f45-9708-019B960494DF}">
-                <a14:hiddenLine xmlns:a14="http://schemas.microsoft.com/office/drawing/2010/main" xmlns="" w="9525">
+                <a14:hiddenLine xmlns="" xmlns:a14="http://schemas.microsoft.com/office/drawing/2010/main" w="9525">
                   <a:solidFill>
                     <a:srgbClr val="000000"/>
                   </a:solidFill>
@@ -2867,7 +2875,7 @@
             </a:ln>
             <a:extLst>
               <a:ext uri="{91240B29-F687-4f45-9708-019B960494DF}">
-                <a14:hiddenLine xmlns:a14="http://schemas.microsoft.com/office/drawing/2010/main" xmlns="" w="9525">
+                <a14:hiddenLine xmlns="" xmlns:a14="http://schemas.microsoft.com/office/drawing/2010/main" w="9525">
                   <a:solidFill>
                     <a:srgbClr val="000000"/>
                   </a:solidFill>
@@ -2929,7 +2937,7 @@
             </a:ln>
             <a:extLst>
               <a:ext uri="{91240B29-F687-4f45-9708-019B960494DF}">
-                <a14:hiddenLine xmlns:a14="http://schemas.microsoft.com/office/drawing/2010/main" xmlns="" w="9525">
+                <a14:hiddenLine xmlns="" xmlns:a14="http://schemas.microsoft.com/office/drawing/2010/main" w="9525">
                   <a:solidFill>
                     <a:srgbClr val="000000"/>
                   </a:solidFill>
@@ -3019,7 +3027,7 @@
             </a:ln>
             <a:extLst>
               <a:ext uri="{91240B29-F687-4f45-9708-019B960494DF}">
-                <a14:hiddenLine xmlns:a14="http://schemas.microsoft.com/office/drawing/2010/main" xmlns="" w="9525">
+                <a14:hiddenLine xmlns="" xmlns:a14="http://schemas.microsoft.com/office/drawing/2010/main" w="9525">
                   <a:solidFill>
                     <a:srgbClr val="000000"/>
                   </a:solidFill>
@@ -3081,7 +3089,7 @@
             </a:ln>
             <a:extLst>
               <a:ext uri="{91240B29-F687-4f45-9708-019B960494DF}">
-                <a14:hiddenLine xmlns:a14="http://schemas.microsoft.com/office/drawing/2010/main" xmlns="" w="9525">
+                <a14:hiddenLine xmlns="" xmlns:a14="http://schemas.microsoft.com/office/drawing/2010/main" w="9525">
                   <a:solidFill>
                     <a:srgbClr val="000000"/>
                   </a:solidFill>
@@ -3171,7 +3179,7 @@
             </a:ln>
             <a:extLst>
               <a:ext uri="{91240B29-F687-4f45-9708-019B960494DF}">
-                <a14:hiddenLine xmlns:a14="http://schemas.microsoft.com/office/drawing/2010/main" xmlns="" w="9525">
+                <a14:hiddenLine xmlns="" xmlns:a14="http://schemas.microsoft.com/office/drawing/2010/main" w="9525">
                   <a:solidFill>
                     <a:srgbClr val="000000"/>
                   </a:solidFill>
@@ -3205,7 +3213,7 @@
             </a:ln>
             <a:extLst>
               <a:ext uri="{91240B29-F687-4f45-9708-019B960494DF}">
-                <a14:hiddenLine xmlns:a14="http://schemas.microsoft.com/office/drawing/2010/main" xmlns="" w="9525">
+                <a14:hiddenLine xmlns="" xmlns:a14="http://schemas.microsoft.com/office/drawing/2010/main" w="9525">
                   <a:solidFill>
                     <a:srgbClr val="000000"/>
                   </a:solidFill>
@@ -3270,7 +3278,7 @@
             </a:ln>
             <a:extLst>
               <a:ext uri="{91240B29-F687-4f45-9708-019B960494DF}">
-                <a14:hiddenLine xmlns:a14="http://schemas.microsoft.com/office/drawing/2010/main" xmlns="" w="9525">
+                <a14:hiddenLine xmlns="" xmlns:a14="http://schemas.microsoft.com/office/drawing/2010/main" w="9525">
                   <a:solidFill>
                     <a:srgbClr val="000000"/>
                   </a:solidFill>
@@ -3360,7 +3368,7 @@
             </a:ln>
             <a:extLst>
               <a:ext uri="{91240B29-F687-4f45-9708-019B960494DF}">
-                <a14:hiddenLine xmlns:a14="http://schemas.microsoft.com/office/drawing/2010/main" xmlns="" w="9525">
+                <a14:hiddenLine xmlns="" xmlns:a14="http://schemas.microsoft.com/office/drawing/2010/main" w="9525">
                   <a:solidFill>
                     <a:srgbClr val="000000"/>
                   </a:solidFill>
@@ -3422,7 +3430,7 @@
             </a:ln>
             <a:extLst>
               <a:ext uri="{91240B29-F687-4f45-9708-019B960494DF}">
-                <a14:hiddenLine xmlns:a14="http://schemas.microsoft.com/office/drawing/2010/main" xmlns="" w="9525">
+                <a14:hiddenLine xmlns="" xmlns:a14="http://schemas.microsoft.com/office/drawing/2010/main" w="9525">
                   <a:solidFill>
                     <a:srgbClr val="000000"/>
                   </a:solidFill>
@@ -3512,7 +3520,7 @@
             </a:ln>
             <a:extLst>
               <a:ext uri="{91240B29-F687-4f45-9708-019B960494DF}">
-                <a14:hiddenLine xmlns:a14="http://schemas.microsoft.com/office/drawing/2010/main" xmlns="" w="9525">
+                <a14:hiddenLine xmlns="" xmlns:a14="http://schemas.microsoft.com/office/drawing/2010/main" w="9525">
                   <a:solidFill>
                     <a:srgbClr val="000000"/>
                   </a:solidFill>
@@ -3602,7 +3610,7 @@
             </a:ln>
             <a:extLst>
               <a:ext uri="{91240B29-F687-4f45-9708-019B960494DF}">
-                <a14:hiddenLine xmlns:a14="http://schemas.microsoft.com/office/drawing/2010/main" xmlns="" w="9525">
+                <a14:hiddenLine xmlns="" xmlns:a14="http://schemas.microsoft.com/office/drawing/2010/main" w="9525">
                   <a:solidFill>
                     <a:srgbClr val="000000"/>
                   </a:solidFill>
@@ -3667,7 +3675,7 @@
             </a:ln>
             <a:extLst>
               <a:ext uri="{91240B29-F687-4f45-9708-019B960494DF}">
-                <a14:hiddenLine xmlns:a14="http://schemas.microsoft.com/office/drawing/2010/main" xmlns="" w="9525">
+                <a14:hiddenLine xmlns="" xmlns:a14="http://schemas.microsoft.com/office/drawing/2010/main" w="9525">
                   <a:solidFill>
                     <a:srgbClr val="000000"/>
                   </a:solidFill>
@@ -3729,7 +3737,7 @@
             </a:ln>
             <a:extLst>
               <a:ext uri="{91240B29-F687-4f45-9708-019B960494DF}">
-                <a14:hiddenLine xmlns:a14="http://schemas.microsoft.com/office/drawing/2010/main" xmlns="" w="9525">
+                <a14:hiddenLine xmlns="" xmlns:a14="http://schemas.microsoft.com/office/drawing/2010/main" w="9525">
                   <a:solidFill>
                     <a:srgbClr val="000000"/>
                   </a:solidFill>
@@ -3819,7 +3827,7 @@
             </a:ln>
             <a:extLst>
               <a:ext uri="{91240B29-F687-4f45-9708-019B960494DF}">
-                <a14:hiddenLine xmlns:a14="http://schemas.microsoft.com/office/drawing/2010/main" xmlns="" w="9525">
+                <a14:hiddenLine xmlns="" xmlns:a14="http://schemas.microsoft.com/office/drawing/2010/main" w="9525">
                   <a:solidFill>
                     <a:srgbClr val="000000"/>
                   </a:solidFill>
@@ -3909,7 +3917,7 @@
             </a:ln>
             <a:extLst>
               <a:ext uri="{91240B29-F687-4f45-9708-019B960494DF}">
-                <a14:hiddenLine xmlns:a14="http://schemas.microsoft.com/office/drawing/2010/main" xmlns="" w="9525">
+                <a14:hiddenLine xmlns="" xmlns:a14="http://schemas.microsoft.com/office/drawing/2010/main" w="9525">
                   <a:solidFill>
                     <a:srgbClr val="000000"/>
                   </a:solidFill>
@@ -3971,7 +3979,7 @@
             </a:ln>
             <a:extLst>
               <a:ext uri="{91240B29-F687-4f45-9708-019B960494DF}">
-                <a14:hiddenLine xmlns:a14="http://schemas.microsoft.com/office/drawing/2010/main" xmlns="" w="9525">
+                <a14:hiddenLine xmlns="" xmlns:a14="http://schemas.microsoft.com/office/drawing/2010/main" w="9525">
                   <a:solidFill>
                     <a:srgbClr val="000000"/>
                   </a:solidFill>
@@ -4091,7 +4099,7 @@
             </a:ln>
             <a:extLst>
               <a:ext uri="{91240B29-F687-4f45-9708-019B960494DF}">
-                <a14:hiddenLine xmlns:a14="http://schemas.microsoft.com/office/drawing/2010/main" xmlns="" w="9525">
+                <a14:hiddenLine xmlns="" xmlns:a14="http://schemas.microsoft.com/office/drawing/2010/main" w="9525">
                   <a:solidFill>
                     <a:srgbClr val="000000"/>
                   </a:solidFill>
@@ -4159,7 +4167,7 @@
             </a:ln>
             <a:extLst>
               <a:ext uri="{91240B29-F687-4f45-9708-019B960494DF}">
-                <a14:hiddenLine xmlns:a14="http://schemas.microsoft.com/office/drawing/2010/main" xmlns="" w="9525">
+                <a14:hiddenLine xmlns="" xmlns:a14="http://schemas.microsoft.com/office/drawing/2010/main" w="9525">
                   <a:solidFill>
                     <a:srgbClr val="000000"/>
                   </a:solidFill>
@@ -4249,7 +4257,7 @@
             </a:ln>
             <a:extLst>
               <a:ext uri="{91240B29-F687-4f45-9708-019B960494DF}">
-                <a14:hiddenLine xmlns:a14="http://schemas.microsoft.com/office/drawing/2010/main" xmlns="" w="9525">
+                <a14:hiddenLine xmlns="" xmlns:a14="http://schemas.microsoft.com/office/drawing/2010/main" w="9525">
                   <a:solidFill>
                     <a:srgbClr val="000000"/>
                   </a:solidFill>
@@ -4389,7 +4397,7 @@
           <a:p>
             <a:fld id="{EE65EC63-571E-40EB-A1C2-FFA7BEE8091D}" type="datetimeFigureOut">
               <a:rPr lang="en-US" smtClean="0"/>
-              <a:t>1/20/2023</a:t>
+              <a:t>1/23/2023</a:t>
             </a:fld>
             <a:endParaRPr lang="en-US"/>
           </a:p>
@@ -4656,7 +4664,7 @@
           <a:p>
             <a:fld id="{EE65EC63-571E-40EB-A1C2-FFA7BEE8091D}" type="datetimeFigureOut">
               <a:rPr lang="en-US" smtClean="0"/>
-              <a:t>1/20/2023</a:t>
+              <a:t>1/23/2023</a:t>
             </a:fld>
             <a:endParaRPr lang="en-US"/>
           </a:p>
@@ -4852,7 +4860,7 @@
           <a:p>
             <a:fld id="{EE65EC63-571E-40EB-A1C2-FFA7BEE8091D}" type="datetimeFigureOut">
               <a:rPr lang="en-US" smtClean="0"/>
-              <a:t>1/20/2023</a:t>
+              <a:t>1/23/2023</a:t>
             </a:fld>
             <a:endParaRPr lang="en-US"/>
           </a:p>
@@ -5115,7 +5123,7 @@
           <a:p>
             <a:fld id="{EE65EC63-571E-40EB-A1C2-FFA7BEE8091D}" type="datetimeFigureOut">
               <a:rPr lang="en-US" smtClean="0"/>
-              <a:t>1/20/2023</a:t>
+              <a:t>1/23/2023</a:t>
             </a:fld>
             <a:endParaRPr lang="en-US"/>
           </a:p>
@@ -5549,7 +5557,7 @@
           <a:p>
             <a:fld id="{EE65EC63-571E-40EB-A1C2-FFA7BEE8091D}" type="datetimeFigureOut">
               <a:rPr lang="en-US" smtClean="0"/>
-              <a:t>1/20/2023</a:t>
+              <a:t>1/23/2023</a:t>
             </a:fld>
             <a:endParaRPr lang="en-US"/>
           </a:p>
@@ -6095,7 +6103,7 @@
           <a:p>
             <a:fld id="{EE65EC63-571E-40EB-A1C2-FFA7BEE8091D}" type="datetimeFigureOut">
               <a:rPr lang="en-US" smtClean="0"/>
-              <a:t>1/20/2023</a:t>
+              <a:t>1/23/2023</a:t>
             </a:fld>
             <a:endParaRPr lang="en-US"/>
           </a:p>
@@ -6815,7 +6823,7 @@
           <a:p>
             <a:fld id="{EE65EC63-571E-40EB-A1C2-FFA7BEE8091D}" type="datetimeFigureOut">
               <a:rPr lang="en-US" smtClean="0"/>
-              <a:t>1/20/2023</a:t>
+              <a:t>1/23/2023</a:t>
             </a:fld>
             <a:endParaRPr lang="en-US"/>
           </a:p>
@@ -6985,7 +6993,7 @@
           <a:p>
             <a:fld id="{EE65EC63-571E-40EB-A1C2-FFA7BEE8091D}" type="datetimeFigureOut">
               <a:rPr lang="en-US" smtClean="0"/>
-              <a:t>1/20/2023</a:t>
+              <a:t>1/23/2023</a:t>
             </a:fld>
             <a:endParaRPr lang="en-US"/>
           </a:p>
@@ -7165,7 +7173,7 @@
           <a:p>
             <a:fld id="{EE65EC63-571E-40EB-A1C2-FFA7BEE8091D}" type="datetimeFigureOut">
               <a:rPr lang="en-US" smtClean="0"/>
-              <a:t>1/20/2023</a:t>
+              <a:t>1/23/2023</a:t>
             </a:fld>
             <a:endParaRPr lang="en-US"/>
           </a:p>
@@ -7335,7 +7343,7 @@
           <a:p>
             <a:fld id="{EE65EC63-571E-40EB-A1C2-FFA7BEE8091D}" type="datetimeFigureOut">
               <a:rPr lang="en-US" smtClean="0"/>
-              <a:t>1/20/2023</a:t>
+              <a:t>1/23/2023</a:t>
             </a:fld>
             <a:endParaRPr lang="en-US"/>
           </a:p>
@@ -7585,7 +7593,7 @@
           <a:p>
             <a:fld id="{EE65EC63-571E-40EB-A1C2-FFA7BEE8091D}" type="datetimeFigureOut">
               <a:rPr lang="en-US" smtClean="0"/>
-              <a:t>1/20/2023</a:t>
+              <a:t>1/23/2023</a:t>
             </a:fld>
             <a:endParaRPr lang="en-US"/>
           </a:p>
@@ -7817,7 +7825,7 @@
           <a:p>
             <a:fld id="{EE65EC63-571E-40EB-A1C2-FFA7BEE8091D}" type="datetimeFigureOut">
               <a:rPr lang="en-US" smtClean="0"/>
-              <a:t>1/20/2023</a:t>
+              <a:t>1/23/2023</a:t>
             </a:fld>
             <a:endParaRPr lang="en-US"/>
           </a:p>
@@ -8198,7 +8206,7 @@
           <a:p>
             <a:fld id="{EE65EC63-571E-40EB-A1C2-FFA7BEE8091D}" type="datetimeFigureOut">
               <a:rPr lang="en-US" smtClean="0"/>
-              <a:t>1/20/2023</a:t>
+              <a:t>1/23/2023</a:t>
             </a:fld>
             <a:endParaRPr lang="en-US"/>
           </a:p>
@@ -8316,7 +8324,7 @@
           <a:p>
             <a:fld id="{EE65EC63-571E-40EB-A1C2-FFA7BEE8091D}" type="datetimeFigureOut">
               <a:rPr lang="en-US" smtClean="0"/>
-              <a:t>1/20/2023</a:t>
+              <a:t>1/23/2023</a:t>
             </a:fld>
             <a:endParaRPr lang="en-US"/>
           </a:p>
@@ -8411,7 +8419,7 @@
           <a:p>
             <a:fld id="{EE65EC63-571E-40EB-A1C2-FFA7BEE8091D}" type="datetimeFigureOut">
               <a:rPr lang="en-US" smtClean="0"/>
-              <a:t>1/20/2023</a:t>
+              <a:t>1/23/2023</a:t>
             </a:fld>
             <a:endParaRPr lang="en-US"/>
           </a:p>
@@ -8660,7 +8668,7 @@
           <a:p>
             <a:fld id="{EE65EC63-571E-40EB-A1C2-FFA7BEE8091D}" type="datetimeFigureOut">
               <a:rPr lang="en-US" smtClean="0"/>
-              <a:t>1/20/2023</a:t>
+              <a:t>1/23/2023</a:t>
             </a:fld>
             <a:endParaRPr lang="en-US"/>
           </a:p>
@@ -8940,7 +8948,7 @@
           <a:p>
             <a:fld id="{EE65EC63-571E-40EB-A1C2-FFA7BEE8091D}" type="datetimeFigureOut">
               <a:rPr lang="en-US" smtClean="0"/>
-              <a:t>1/20/2023</a:t>
+              <a:t>1/23/2023</a:t>
             </a:fld>
             <a:endParaRPr lang="en-US"/>
           </a:p>
@@ -9056,7 +9064,7 @@
           <a:noFill/>
           <a:extLst>
             <a:ext uri="{909E8E84-426E-40dd-AFC4-6F175D3DCCD1}">
-              <a14:hiddenFill xmlns:a14="http://schemas.microsoft.com/office/drawing/2010/main" xmlns="">
+              <a14:hiddenFill xmlns="" xmlns:a14="http://schemas.microsoft.com/office/drawing/2010/main">
                 <a:solidFill>
                   <a:srgbClr val="FFFFFF"/>
                 </a:solidFill>
@@ -9130,7 +9138,7 @@
               </a:ln>
               <a:extLst>
                 <a:ext uri="{91240B29-F687-4f45-9708-019B960494DF}">
-                  <a14:hiddenLine xmlns:a14="http://schemas.microsoft.com/office/drawing/2010/main" xmlns="" w="9525">
+                  <a14:hiddenLine xmlns="" xmlns:a14="http://schemas.microsoft.com/office/drawing/2010/main" w="9525">
                     <a:solidFill>
                       <a:srgbClr val="000000"/>
                     </a:solidFill>
@@ -9220,7 +9228,7 @@
               </a:ln>
               <a:extLst>
                 <a:ext uri="{91240B29-F687-4f45-9708-019B960494DF}">
-                  <a14:hiddenLine xmlns:a14="http://schemas.microsoft.com/office/drawing/2010/main" xmlns="" w="9525">
+                  <a14:hiddenLine xmlns="" xmlns:a14="http://schemas.microsoft.com/office/drawing/2010/main" w="9525">
                     <a:solidFill>
                       <a:srgbClr val="000000"/>
                     </a:solidFill>
@@ -9310,7 +9318,7 @@
               </a:ln>
               <a:extLst>
                 <a:ext uri="{91240B29-F687-4f45-9708-019B960494DF}">
-                  <a14:hiddenLine xmlns:a14="http://schemas.microsoft.com/office/drawing/2010/main" xmlns="" w="9525">
+                  <a14:hiddenLine xmlns="" xmlns:a14="http://schemas.microsoft.com/office/drawing/2010/main" w="9525">
                     <a:solidFill>
                       <a:srgbClr val="000000"/>
                     </a:solidFill>
@@ -9372,7 +9380,7 @@
               </a:ln>
               <a:extLst>
                 <a:ext uri="{91240B29-F687-4f45-9708-019B960494DF}">
-                  <a14:hiddenLine xmlns:a14="http://schemas.microsoft.com/office/drawing/2010/main" xmlns="" w="9525">
+                  <a14:hiddenLine xmlns="" xmlns:a14="http://schemas.microsoft.com/office/drawing/2010/main" w="9525">
                     <a:solidFill>
                       <a:srgbClr val="000000"/>
                     </a:solidFill>
@@ -9462,7 +9470,7 @@
               </a:ln>
               <a:extLst>
                 <a:ext uri="{91240B29-F687-4f45-9708-019B960494DF}">
-                  <a14:hiddenLine xmlns:a14="http://schemas.microsoft.com/office/drawing/2010/main" xmlns="" w="9525">
+                  <a14:hiddenLine xmlns="" xmlns:a14="http://schemas.microsoft.com/office/drawing/2010/main" w="9525">
                     <a:solidFill>
                       <a:srgbClr val="000000"/>
                     </a:solidFill>
@@ -9524,7 +9532,7 @@
               </a:ln>
               <a:extLst>
                 <a:ext uri="{91240B29-F687-4f45-9708-019B960494DF}">
-                  <a14:hiddenLine xmlns:a14="http://schemas.microsoft.com/office/drawing/2010/main" xmlns="" w="9525">
+                  <a14:hiddenLine xmlns="" xmlns:a14="http://schemas.microsoft.com/office/drawing/2010/main" w="9525">
                     <a:solidFill>
                       <a:srgbClr val="000000"/>
                     </a:solidFill>
@@ -9586,7 +9594,7 @@
               </a:ln>
               <a:extLst>
                 <a:ext uri="{91240B29-F687-4f45-9708-019B960494DF}">
-                  <a14:hiddenLine xmlns:a14="http://schemas.microsoft.com/office/drawing/2010/main" xmlns="" w="9525">
+                  <a14:hiddenLine xmlns="" xmlns:a14="http://schemas.microsoft.com/office/drawing/2010/main" w="9525">
                     <a:solidFill>
                       <a:srgbClr val="000000"/>
                     </a:solidFill>
@@ -9676,7 +9684,7 @@
               </a:ln>
               <a:extLst>
                 <a:ext uri="{91240B29-F687-4f45-9708-019B960494DF}">
-                  <a14:hiddenLine xmlns:a14="http://schemas.microsoft.com/office/drawing/2010/main" xmlns="" w="9525">
+                  <a14:hiddenLine xmlns="" xmlns:a14="http://schemas.microsoft.com/office/drawing/2010/main" w="9525">
                     <a:solidFill>
                       <a:srgbClr val="000000"/>
                     </a:solidFill>
@@ -9766,7 +9774,7 @@
               </a:ln>
               <a:extLst>
                 <a:ext uri="{91240B29-F687-4f45-9708-019B960494DF}">
-                  <a14:hiddenLine xmlns:a14="http://schemas.microsoft.com/office/drawing/2010/main" xmlns="" w="9525">
+                  <a14:hiddenLine xmlns="" xmlns:a14="http://schemas.microsoft.com/office/drawing/2010/main" w="9525">
                     <a:solidFill>
                       <a:srgbClr val="000000"/>
                     </a:solidFill>
@@ -9828,7 +9836,7 @@
               </a:ln>
               <a:extLst>
                 <a:ext uri="{91240B29-F687-4f45-9708-019B960494DF}">
-                  <a14:hiddenLine xmlns:a14="http://schemas.microsoft.com/office/drawing/2010/main" xmlns="" w="9525">
+                  <a14:hiddenLine xmlns="" xmlns:a14="http://schemas.microsoft.com/office/drawing/2010/main" w="9525">
                     <a:solidFill>
                       <a:srgbClr val="000000"/>
                     </a:solidFill>
@@ -9938,7 +9946,7 @@
               </a:ln>
               <a:extLst>
                 <a:ext uri="{91240B29-F687-4f45-9708-019B960494DF}">
-                  <a14:hiddenLine xmlns:a14="http://schemas.microsoft.com/office/drawing/2010/main" xmlns="" w="9525">
+                  <a14:hiddenLine xmlns="" xmlns:a14="http://schemas.microsoft.com/office/drawing/2010/main" w="9525">
                     <a:solidFill>
                       <a:srgbClr val="000000"/>
                     </a:solidFill>
@@ -10022,7 +10030,7 @@
               </a:ln>
               <a:extLst>
                 <a:ext uri="{91240B29-F687-4f45-9708-019B960494DF}">
-                  <a14:hiddenLine xmlns:a14="http://schemas.microsoft.com/office/drawing/2010/main" xmlns="" w="9525">
+                  <a14:hiddenLine xmlns="" xmlns:a14="http://schemas.microsoft.com/office/drawing/2010/main" w="9525">
                     <a:solidFill>
                       <a:srgbClr val="000000"/>
                     </a:solidFill>
@@ -10084,7 +10092,7 @@
               </a:ln>
               <a:extLst>
                 <a:ext uri="{91240B29-F687-4f45-9708-019B960494DF}">
-                  <a14:hiddenLine xmlns:a14="http://schemas.microsoft.com/office/drawing/2010/main" xmlns="" w="9525">
+                  <a14:hiddenLine xmlns="" xmlns:a14="http://schemas.microsoft.com/office/drawing/2010/main" w="9525">
                     <a:solidFill>
                       <a:srgbClr val="000000"/>
                     </a:solidFill>
@@ -10146,7 +10154,7 @@
               </a:ln>
               <a:extLst>
                 <a:ext uri="{91240B29-F687-4f45-9708-019B960494DF}">
-                  <a14:hiddenLine xmlns:a14="http://schemas.microsoft.com/office/drawing/2010/main" xmlns="" w="9525">
+                  <a14:hiddenLine xmlns="" xmlns:a14="http://schemas.microsoft.com/office/drawing/2010/main" w="9525">
                     <a:solidFill>
                       <a:srgbClr val="000000"/>
                     </a:solidFill>
@@ -10236,7 +10244,7 @@
               </a:ln>
               <a:extLst>
                 <a:ext uri="{91240B29-F687-4f45-9708-019B960494DF}">
-                  <a14:hiddenLine xmlns:a14="http://schemas.microsoft.com/office/drawing/2010/main" xmlns="" w="9525">
+                  <a14:hiddenLine xmlns="" xmlns:a14="http://schemas.microsoft.com/office/drawing/2010/main" w="9525">
                     <a:solidFill>
                       <a:srgbClr val="000000"/>
                     </a:solidFill>
@@ -10270,7 +10278,7 @@
               </a:ln>
               <a:extLst>
                 <a:ext uri="{91240B29-F687-4f45-9708-019B960494DF}">
-                  <a14:hiddenLine xmlns:a14="http://schemas.microsoft.com/office/drawing/2010/main" xmlns="" w="9525">
+                  <a14:hiddenLine xmlns="" xmlns:a14="http://schemas.microsoft.com/office/drawing/2010/main" w="9525">
                     <a:solidFill>
                       <a:srgbClr val="000000"/>
                     </a:solidFill>
@@ -10335,7 +10343,7 @@
               </a:ln>
               <a:extLst>
                 <a:ext uri="{91240B29-F687-4f45-9708-019B960494DF}">
-                  <a14:hiddenLine xmlns:a14="http://schemas.microsoft.com/office/drawing/2010/main" xmlns="" w="9525">
+                  <a14:hiddenLine xmlns="" xmlns:a14="http://schemas.microsoft.com/office/drawing/2010/main" w="9525">
                     <a:solidFill>
                       <a:srgbClr val="000000"/>
                     </a:solidFill>
@@ -10425,7 +10433,7 @@
               </a:ln>
               <a:extLst>
                 <a:ext uri="{91240B29-F687-4f45-9708-019B960494DF}">
-                  <a14:hiddenLine xmlns:a14="http://schemas.microsoft.com/office/drawing/2010/main" xmlns="" w="9525">
+                  <a14:hiddenLine xmlns="" xmlns:a14="http://schemas.microsoft.com/office/drawing/2010/main" w="9525">
                     <a:solidFill>
                       <a:srgbClr val="000000"/>
                     </a:solidFill>
@@ -10487,7 +10495,7 @@
               </a:ln>
               <a:extLst>
                 <a:ext uri="{91240B29-F687-4f45-9708-019B960494DF}">
-                  <a14:hiddenLine xmlns:a14="http://schemas.microsoft.com/office/drawing/2010/main" xmlns="" w="9525">
+                  <a14:hiddenLine xmlns="" xmlns:a14="http://schemas.microsoft.com/office/drawing/2010/main" w="9525">
                     <a:solidFill>
                       <a:srgbClr val="000000"/>
                     </a:solidFill>
@@ -10577,7 +10585,7 @@
               </a:ln>
               <a:extLst>
                 <a:ext uri="{91240B29-F687-4f45-9708-019B960494DF}">
-                  <a14:hiddenLine xmlns:a14="http://schemas.microsoft.com/office/drawing/2010/main" xmlns="" w="9525">
+                  <a14:hiddenLine xmlns="" xmlns:a14="http://schemas.microsoft.com/office/drawing/2010/main" w="9525">
                     <a:solidFill>
                       <a:srgbClr val="000000"/>
                     </a:solidFill>
@@ -10642,7 +10650,7 @@
               </a:ln>
               <a:extLst>
                 <a:ext uri="{91240B29-F687-4f45-9708-019B960494DF}">
-                  <a14:hiddenLine xmlns:a14="http://schemas.microsoft.com/office/drawing/2010/main" xmlns="" w="9525">
+                  <a14:hiddenLine xmlns="" xmlns:a14="http://schemas.microsoft.com/office/drawing/2010/main" w="9525">
                     <a:solidFill>
                       <a:srgbClr val="000000"/>
                     </a:solidFill>
@@ -10704,7 +10712,7 @@
               </a:ln>
               <a:extLst>
                 <a:ext uri="{91240B29-F687-4f45-9708-019B960494DF}">
-                  <a14:hiddenLine xmlns:a14="http://schemas.microsoft.com/office/drawing/2010/main" xmlns="" w="9525">
+                  <a14:hiddenLine xmlns="" xmlns:a14="http://schemas.microsoft.com/office/drawing/2010/main" w="9525">
                     <a:solidFill>
                       <a:srgbClr val="000000"/>
                     </a:solidFill>
@@ -10794,7 +10802,7 @@
               </a:ln>
               <a:extLst>
                 <a:ext uri="{91240B29-F687-4f45-9708-019B960494DF}">
-                  <a14:hiddenLine xmlns:a14="http://schemas.microsoft.com/office/drawing/2010/main" xmlns="" w="9525">
+                  <a14:hiddenLine xmlns="" xmlns:a14="http://schemas.microsoft.com/office/drawing/2010/main" w="9525">
                     <a:solidFill>
                       <a:srgbClr val="000000"/>
                     </a:solidFill>
@@ -10884,7 +10892,7 @@
               </a:ln>
               <a:extLst>
                 <a:ext uri="{91240B29-F687-4f45-9708-019B960494DF}">
-                  <a14:hiddenLine xmlns:a14="http://schemas.microsoft.com/office/drawing/2010/main" xmlns="" w="9525">
+                  <a14:hiddenLine xmlns="" xmlns:a14="http://schemas.microsoft.com/office/drawing/2010/main" w="9525">
                     <a:solidFill>
                       <a:srgbClr val="000000"/>
                     </a:solidFill>
@@ -10949,7 +10957,7 @@
               </a:ln>
               <a:extLst>
                 <a:ext uri="{91240B29-F687-4f45-9708-019B960494DF}">
-                  <a14:hiddenLine xmlns:a14="http://schemas.microsoft.com/office/drawing/2010/main" xmlns="" w="9525">
+                  <a14:hiddenLine xmlns="" xmlns:a14="http://schemas.microsoft.com/office/drawing/2010/main" w="9525">
                     <a:solidFill>
                       <a:srgbClr val="000000"/>
                     </a:solidFill>
@@ -11069,7 +11077,7 @@
               </a:ln>
               <a:extLst>
                 <a:ext uri="{91240B29-F687-4f45-9708-019B960494DF}">
-                  <a14:hiddenLine xmlns:a14="http://schemas.microsoft.com/office/drawing/2010/main" xmlns="" w="9525">
+                  <a14:hiddenLine xmlns="" xmlns:a14="http://schemas.microsoft.com/office/drawing/2010/main" w="9525">
                     <a:solidFill>
                       <a:srgbClr val="000000"/>
                     </a:solidFill>
@@ -11167,7 +11175,7 @@
               </a:ln>
               <a:extLst>
                 <a:ext uri="{91240B29-F687-4f45-9708-019B960494DF}">
-                  <a14:hiddenLine xmlns:a14="http://schemas.microsoft.com/office/drawing/2010/main" xmlns="" w="9525">
+                  <a14:hiddenLine xmlns="" xmlns:a14="http://schemas.microsoft.com/office/drawing/2010/main" w="9525">
                     <a:solidFill>
                       <a:srgbClr val="000000"/>
                     </a:solidFill>
@@ -11282,7 +11290,7 @@
               </a:ln>
               <a:extLst>
                 <a:ext uri="{91240B29-F687-4f45-9708-019B960494DF}">
-                  <a14:hiddenLine xmlns:a14="http://schemas.microsoft.com/office/drawing/2010/main" xmlns="" w="9525">
+                  <a14:hiddenLine xmlns="" xmlns:a14="http://schemas.microsoft.com/office/drawing/2010/main" w="9525">
                     <a:solidFill>
                       <a:srgbClr val="000000"/>
                     </a:solidFill>
@@ -11372,7 +11380,7 @@
               </a:ln>
               <a:extLst>
                 <a:ext uri="{91240B29-F687-4f45-9708-019B960494DF}">
-                  <a14:hiddenLine xmlns:a14="http://schemas.microsoft.com/office/drawing/2010/main" xmlns="" w="9525">
+                  <a14:hiddenLine xmlns="" xmlns:a14="http://schemas.microsoft.com/office/drawing/2010/main" w="9525">
                     <a:solidFill>
                       <a:srgbClr val="000000"/>
                     </a:solidFill>
@@ -11437,7 +11445,7 @@
               </a:ln>
               <a:extLst>
                 <a:ext uri="{91240B29-F687-4f45-9708-019B960494DF}">
-                  <a14:hiddenLine xmlns:a14="http://schemas.microsoft.com/office/drawing/2010/main" xmlns="" w="9525">
+                  <a14:hiddenLine xmlns="" xmlns:a14="http://schemas.microsoft.com/office/drawing/2010/main" w="9525">
                     <a:solidFill>
                       <a:srgbClr val="000000"/>
                     </a:solidFill>
@@ -11527,7 +11535,7 @@
               </a:ln>
               <a:extLst>
                 <a:ext uri="{91240B29-F687-4f45-9708-019B960494DF}">
-                  <a14:hiddenLine xmlns:a14="http://schemas.microsoft.com/office/drawing/2010/main" xmlns="" w="9525">
+                  <a14:hiddenLine xmlns="" xmlns:a14="http://schemas.microsoft.com/office/drawing/2010/main" w="9525">
                     <a:solidFill>
                       <a:srgbClr val="000000"/>
                     </a:solidFill>
@@ -11595,7 +11603,7 @@
               </a:ln>
               <a:extLst>
                 <a:ext uri="{91240B29-F687-4f45-9708-019B960494DF}">
-                  <a14:hiddenLine xmlns:a14="http://schemas.microsoft.com/office/drawing/2010/main" xmlns="" w="9525">
+                  <a14:hiddenLine xmlns="" xmlns:a14="http://schemas.microsoft.com/office/drawing/2010/main" w="9525">
                     <a:solidFill>
                       <a:srgbClr val="000000"/>
                     </a:solidFill>
@@ -11685,7 +11693,7 @@
               </a:ln>
               <a:extLst>
                 <a:ext uri="{91240B29-F687-4f45-9708-019B960494DF}">
-                  <a14:hiddenLine xmlns:a14="http://schemas.microsoft.com/office/drawing/2010/main" xmlns="" w="9525">
+                  <a14:hiddenLine xmlns="" xmlns:a14="http://schemas.microsoft.com/office/drawing/2010/main" w="9525">
                     <a:solidFill>
                       <a:srgbClr val="000000"/>
                     </a:solidFill>
@@ -11753,7 +11761,7 @@
               </a:ln>
               <a:extLst>
                 <a:ext uri="{91240B29-F687-4f45-9708-019B960494DF}">
-                  <a14:hiddenLine xmlns:a14="http://schemas.microsoft.com/office/drawing/2010/main" xmlns="" w="9525">
+                  <a14:hiddenLine xmlns="" xmlns:a14="http://schemas.microsoft.com/office/drawing/2010/main" w="9525">
                     <a:solidFill>
                       <a:srgbClr val="000000"/>
                     </a:solidFill>
@@ -11843,7 +11851,7 @@
               </a:ln>
               <a:extLst>
                 <a:ext uri="{91240B29-F687-4f45-9708-019B960494DF}">
-                  <a14:hiddenLine xmlns:a14="http://schemas.microsoft.com/office/drawing/2010/main" xmlns="" w="9525">
+                  <a14:hiddenLine xmlns="" xmlns:a14="http://schemas.microsoft.com/office/drawing/2010/main" w="9525">
                     <a:solidFill>
                       <a:srgbClr val="000000"/>
                     </a:solidFill>
@@ -11877,7 +11885,7 @@
               </a:ln>
               <a:extLst>
                 <a:ext uri="{91240B29-F687-4f45-9708-019B960494DF}">
-                  <a14:hiddenLine xmlns:a14="http://schemas.microsoft.com/office/drawing/2010/main" xmlns="" w="9525">
+                  <a14:hiddenLine xmlns="" xmlns:a14="http://schemas.microsoft.com/office/drawing/2010/main" w="9525">
                     <a:solidFill>
                       <a:srgbClr val="000000"/>
                     </a:solidFill>
@@ -12017,7 +12025,7 @@
           <a:p>
             <a:fld id="{EE65EC63-571E-40EB-A1C2-FFA7BEE8091D}" type="datetimeFigureOut">
               <a:rPr lang="en-US" smtClean="0"/>
-              <a:t>1/20/2023</a:t>
+              <a:t>1/23/2023</a:t>
             </a:fld>
             <a:endParaRPr lang="en-US"/>
           </a:p>
@@ -12550,6 +12558,72 @@
 </p:sld>
 </file>
 
+<file path=ppt/slides/slide10.xml><?xml version="1.0" encoding="utf-8"?>
+<p:sld xmlns:a="http://schemas.openxmlformats.org/drawingml/2006/main" xmlns:r="http://schemas.openxmlformats.org/officeDocument/2006/relationships" xmlns:p="http://schemas.openxmlformats.org/presentationml/2006/main">
+  <p:cSld>
+    <p:spTree>
+      <p:nvGrpSpPr>
+        <p:cNvPr id="1" name=""/>
+        <p:cNvGrpSpPr/>
+        <p:nvPr/>
+      </p:nvGrpSpPr>
+      <p:grpSpPr>
+        <a:xfrm>
+          <a:off x="0" y="0"/>
+          <a:ext cx="0" cy="0"/>
+          <a:chOff x="0" y="0"/>
+          <a:chExt cx="0" cy="0"/>
+        </a:xfrm>
+      </p:grpSpPr>
+      <p:sp>
+        <p:nvSpPr>
+          <p:cNvPr id="2" name="Title 1">
+            <a:extLst>
+              <a:ext uri="{FF2B5EF4-FFF2-40B4-BE49-F238E27FC236}">
+                <a16:creationId xmlns:a16="http://schemas.microsoft.com/office/drawing/2014/main" id="{A960F838-8869-D934-C4BB-BD71DE4408C2}"/>
+              </a:ext>
+            </a:extLst>
+          </p:cNvPr>
+          <p:cNvSpPr>
+            <a:spLocks noGrp="1"/>
+          </p:cNvSpPr>
+          <p:nvPr>
+            <p:ph type="title"/>
+          </p:nvPr>
+        </p:nvSpPr>
+        <p:spPr>
+          <a:xfrm>
+            <a:off x="1141413" y="618518"/>
+            <a:ext cx="9905998" cy="5367612"/>
+          </a:xfrm>
+        </p:spPr>
+        <p:txBody>
+          <a:bodyPr>
+            <a:normAutofit/>
+          </a:bodyPr>
+          <a:lstStyle/>
+          <a:p>
+            <a:pPr algn="ctr"/>
+            <a:r>
+              <a:rPr lang="en-US" sz="11500" dirty="0"/>
+              <a:t>QUESTIONS?</a:t>
+            </a:r>
+          </a:p>
+        </p:txBody>
+      </p:sp>
+    </p:spTree>
+    <p:extLst>
+      <p:ext uri="{BB962C8B-B14F-4D97-AF65-F5344CB8AC3E}">
+        <p14:creationId xmlns:p14="http://schemas.microsoft.com/office/powerpoint/2010/main" val="1920636499"/>
+      </p:ext>
+    </p:extLst>
+  </p:cSld>
+  <p:clrMapOvr>
+    <a:masterClrMapping/>
+  </p:clrMapOvr>
+</p:sld>
+</file>
+
 <file path=ppt/slides/slide2.xml><?xml version="1.0" encoding="utf-8"?>
 <p:sld xmlns:a="http://schemas.openxmlformats.org/drawingml/2006/main" xmlns:r="http://schemas.openxmlformats.org/officeDocument/2006/relationships" xmlns:p="http://schemas.openxmlformats.org/presentationml/2006/main">
   <p:cSld>
@@ -12824,6 +12898,383 @@
           <p:cNvPr id="2" name="Title 1">
             <a:extLst>
               <a:ext uri="{FF2B5EF4-FFF2-40B4-BE49-F238E27FC236}">
+                <a16:creationId xmlns:a16="http://schemas.microsoft.com/office/drawing/2014/main" id="{7D5CAB3D-5BCC-69A7-AC0E-F45F2390E8F3}"/>
+              </a:ext>
+            </a:extLst>
+          </p:cNvPr>
+          <p:cNvSpPr>
+            <a:spLocks noGrp="1"/>
+          </p:cNvSpPr>
+          <p:nvPr>
+            <p:ph type="title"/>
+          </p:nvPr>
+        </p:nvSpPr>
+        <p:spPr/>
+        <p:txBody>
+          <a:bodyPr/>
+          <a:lstStyle/>
+          <a:p>
+            <a:r>
+              <a:rPr lang="en-US" dirty="0"/>
+              <a:t>CODE</a:t>
+            </a:r>
+          </a:p>
+        </p:txBody>
+      </p:sp>
+      <p:pic>
+        <p:nvPicPr>
+          <p:cNvPr id="7" name="Picture 6">
+            <a:extLst>
+              <a:ext uri="{FF2B5EF4-FFF2-40B4-BE49-F238E27FC236}">
+                <a16:creationId xmlns:a16="http://schemas.microsoft.com/office/drawing/2014/main" id="{74FC1EA2-7702-FC97-EED7-FED84A0AF1AA}"/>
+              </a:ext>
+            </a:extLst>
+          </p:cNvPr>
+          <p:cNvPicPr>
+            <a:picLocks noChangeAspect="1"/>
+          </p:cNvPicPr>
+          <p:nvPr/>
+        </p:nvPicPr>
+        <p:blipFill>
+          <a:blip r:embed="rId2"/>
+          <a:stretch>
+            <a:fillRect/>
+          </a:stretch>
+        </p:blipFill>
+        <p:spPr>
+          <a:xfrm>
+            <a:off x="1110930" y="2733493"/>
+            <a:ext cx="2629128" cy="746825"/>
+          </a:xfrm>
+          <a:prstGeom prst="rect">
+            <a:avLst/>
+          </a:prstGeom>
+        </p:spPr>
+      </p:pic>
+      <p:pic>
+        <p:nvPicPr>
+          <p:cNvPr id="9" name="Picture 8">
+            <a:extLst>
+              <a:ext uri="{FF2B5EF4-FFF2-40B4-BE49-F238E27FC236}">
+                <a16:creationId xmlns:a16="http://schemas.microsoft.com/office/drawing/2014/main" id="{5D5B6755-139A-6EB1-FEBE-3D51A1F1C175}"/>
+              </a:ext>
+            </a:extLst>
+          </p:cNvPr>
+          <p:cNvPicPr>
+            <a:picLocks noChangeAspect="1"/>
+          </p:cNvPicPr>
+          <p:nvPr/>
+        </p:nvPicPr>
+        <p:blipFill>
+          <a:blip r:embed="rId3"/>
+          <a:stretch>
+            <a:fillRect/>
+          </a:stretch>
+        </p:blipFill>
+        <p:spPr>
+          <a:xfrm>
+            <a:off x="1110930" y="3575658"/>
+            <a:ext cx="3314987" cy="1661304"/>
+          </a:xfrm>
+          <a:prstGeom prst="rect">
+            <a:avLst/>
+          </a:prstGeom>
+        </p:spPr>
+      </p:pic>
+      <p:sp>
+        <p:nvSpPr>
+          <p:cNvPr id="11" name="Content Placeholder 10">
+            <a:extLst>
+              <a:ext uri="{FF2B5EF4-FFF2-40B4-BE49-F238E27FC236}">
+                <a16:creationId xmlns:a16="http://schemas.microsoft.com/office/drawing/2014/main" id="{DECFC71B-2414-B5EB-1DDC-2EB52B8C9B4D}"/>
+              </a:ext>
+            </a:extLst>
+          </p:cNvPr>
+          <p:cNvSpPr>
+            <a:spLocks noGrp="1"/>
+          </p:cNvSpPr>
+          <p:nvPr>
+            <p:ph idx="1"/>
+          </p:nvPr>
+        </p:nvSpPr>
+        <p:spPr/>
+        <p:txBody>
+          <a:bodyPr/>
+          <a:lstStyle/>
+          <a:p>
+            <a:endParaRPr lang="en-US"/>
+          </a:p>
+        </p:txBody>
+      </p:sp>
+      <p:pic>
+        <p:nvPicPr>
+          <p:cNvPr id="13" name="Picture 12">
+            <a:extLst>
+              <a:ext uri="{FF2B5EF4-FFF2-40B4-BE49-F238E27FC236}">
+                <a16:creationId xmlns:a16="http://schemas.microsoft.com/office/drawing/2014/main" id="{8E0F8A66-8792-8B6E-B589-7EB3965A78BD}"/>
+              </a:ext>
+            </a:extLst>
+          </p:cNvPr>
+          <p:cNvPicPr>
+            <a:picLocks noChangeAspect="1"/>
+          </p:cNvPicPr>
+          <p:nvPr/>
+        </p:nvPicPr>
+        <p:blipFill>
+          <a:blip r:embed="rId4"/>
+          <a:stretch>
+            <a:fillRect/>
+          </a:stretch>
+        </p:blipFill>
+        <p:spPr>
+          <a:xfrm>
+            <a:off x="1110930" y="1994303"/>
+            <a:ext cx="5159187" cy="586791"/>
+          </a:xfrm>
+          <a:prstGeom prst="rect">
+            <a:avLst/>
+          </a:prstGeom>
+        </p:spPr>
+      </p:pic>
+    </p:spTree>
+    <p:extLst>
+      <p:ext uri="{BB962C8B-B14F-4D97-AF65-F5344CB8AC3E}">
+        <p14:creationId xmlns:p14="http://schemas.microsoft.com/office/powerpoint/2010/main" val="270357896"/>
+      </p:ext>
+    </p:extLst>
+  </p:cSld>
+  <p:clrMapOvr>
+    <a:masterClrMapping/>
+  </p:clrMapOvr>
+</p:sld>
+</file>
+
+<file path=ppt/slides/slide5.xml><?xml version="1.0" encoding="utf-8"?>
+<p:sld xmlns:a="http://schemas.openxmlformats.org/drawingml/2006/main" xmlns:r="http://schemas.openxmlformats.org/officeDocument/2006/relationships" xmlns:p="http://schemas.openxmlformats.org/presentationml/2006/main">
+  <p:cSld>
+    <p:spTree>
+      <p:nvGrpSpPr>
+        <p:cNvPr id="1" name=""/>
+        <p:cNvGrpSpPr/>
+        <p:nvPr/>
+      </p:nvGrpSpPr>
+      <p:grpSpPr>
+        <a:xfrm>
+          <a:off x="0" y="0"/>
+          <a:ext cx="0" cy="0"/>
+          <a:chOff x="0" y="0"/>
+          <a:chExt cx="0" cy="0"/>
+        </a:xfrm>
+      </p:grpSpPr>
+      <p:sp>
+        <p:nvSpPr>
+          <p:cNvPr id="2" name="Title 1">
+            <a:extLst>
+              <a:ext uri="{FF2B5EF4-FFF2-40B4-BE49-F238E27FC236}">
+                <a16:creationId xmlns:a16="http://schemas.microsoft.com/office/drawing/2014/main" id="{D9371C48-5C66-7B27-8707-C53AC78CA3E0}"/>
+              </a:ext>
+            </a:extLst>
+          </p:cNvPr>
+          <p:cNvSpPr>
+            <a:spLocks noGrp="1"/>
+          </p:cNvSpPr>
+          <p:nvPr>
+            <p:ph type="title"/>
+          </p:nvPr>
+        </p:nvSpPr>
+        <p:spPr/>
+        <p:txBody>
+          <a:bodyPr/>
+          <a:lstStyle/>
+          <a:p>
+            <a:r>
+              <a:rPr lang="en-US" dirty="0"/>
+              <a:t>CODE</a:t>
+            </a:r>
+          </a:p>
+        </p:txBody>
+      </p:sp>
+      <p:pic>
+        <p:nvPicPr>
+          <p:cNvPr id="5" name="Content Placeholder 4">
+            <a:extLst>
+              <a:ext uri="{FF2B5EF4-FFF2-40B4-BE49-F238E27FC236}">
+                <a16:creationId xmlns:a16="http://schemas.microsoft.com/office/drawing/2014/main" id="{190CA99B-A2F0-14B4-2244-4A5D6A18DE7B}"/>
+              </a:ext>
+            </a:extLst>
+          </p:cNvPr>
+          <p:cNvPicPr>
+            <a:picLocks noGrp="1" noChangeAspect="1"/>
+          </p:cNvPicPr>
+          <p:nvPr>
+            <p:ph idx="1"/>
+          </p:nvPr>
+        </p:nvPicPr>
+        <p:blipFill>
+          <a:blip r:embed="rId2"/>
+          <a:stretch>
+            <a:fillRect/>
+          </a:stretch>
+        </p:blipFill>
+        <p:spPr>
+          <a:xfrm>
+            <a:off x="1141413" y="2097088"/>
+            <a:ext cx="3673158" cy="1066892"/>
+          </a:xfrm>
+        </p:spPr>
+      </p:pic>
+      <p:pic>
+        <p:nvPicPr>
+          <p:cNvPr id="7" name="Picture 6">
+            <a:extLst>
+              <a:ext uri="{FF2B5EF4-FFF2-40B4-BE49-F238E27FC236}">
+                <a16:creationId xmlns:a16="http://schemas.microsoft.com/office/drawing/2014/main" id="{55E3B759-AB11-0F27-4BC1-F65CAED4BD03}"/>
+              </a:ext>
+            </a:extLst>
+          </p:cNvPr>
+          <p:cNvPicPr>
+            <a:picLocks noChangeAspect="1"/>
+          </p:cNvPicPr>
+          <p:nvPr/>
+        </p:nvPicPr>
+        <p:blipFill>
+          <a:blip r:embed="rId3"/>
+          <a:stretch>
+            <a:fillRect/>
+          </a:stretch>
+        </p:blipFill>
+        <p:spPr>
+          <a:xfrm>
+            <a:off x="1141413" y="3274884"/>
+            <a:ext cx="6401355" cy="1486029"/>
+          </a:xfrm>
+          <a:prstGeom prst="rect">
+            <a:avLst/>
+          </a:prstGeom>
+        </p:spPr>
+      </p:pic>
+    </p:spTree>
+    <p:extLst>
+      <p:ext uri="{BB962C8B-B14F-4D97-AF65-F5344CB8AC3E}">
+        <p14:creationId xmlns:p14="http://schemas.microsoft.com/office/powerpoint/2010/main" val="2856992871"/>
+      </p:ext>
+    </p:extLst>
+  </p:cSld>
+  <p:clrMapOvr>
+    <a:masterClrMapping/>
+  </p:clrMapOvr>
+</p:sld>
+</file>
+
+<file path=ppt/slides/slide6.xml><?xml version="1.0" encoding="utf-8"?>
+<p:sld xmlns:a="http://schemas.openxmlformats.org/drawingml/2006/main" xmlns:r="http://schemas.openxmlformats.org/officeDocument/2006/relationships" xmlns:p="http://schemas.openxmlformats.org/presentationml/2006/main">
+  <p:cSld>
+    <p:spTree>
+      <p:nvGrpSpPr>
+        <p:cNvPr id="1" name=""/>
+        <p:cNvGrpSpPr/>
+        <p:nvPr/>
+      </p:nvGrpSpPr>
+      <p:grpSpPr>
+        <a:xfrm>
+          <a:off x="0" y="0"/>
+          <a:ext cx="0" cy="0"/>
+          <a:chOff x="0" y="0"/>
+          <a:chExt cx="0" cy="0"/>
+        </a:xfrm>
+      </p:grpSpPr>
+      <p:sp>
+        <p:nvSpPr>
+          <p:cNvPr id="2" name="Title 1">
+            <a:extLst>
+              <a:ext uri="{FF2B5EF4-FFF2-40B4-BE49-F238E27FC236}">
+                <a16:creationId xmlns:a16="http://schemas.microsoft.com/office/drawing/2014/main" id="{4A921856-60C2-FB1B-8E45-0619159DA35D}"/>
+              </a:ext>
+            </a:extLst>
+          </p:cNvPr>
+          <p:cNvSpPr>
+            <a:spLocks noGrp="1"/>
+          </p:cNvSpPr>
+          <p:nvPr>
+            <p:ph type="title"/>
+          </p:nvPr>
+        </p:nvSpPr>
+        <p:spPr/>
+        <p:txBody>
+          <a:bodyPr/>
+          <a:lstStyle/>
+          <a:p>
+            <a:r>
+              <a:rPr lang="en-US" dirty="0"/>
+              <a:t>CODE</a:t>
+            </a:r>
+          </a:p>
+        </p:txBody>
+      </p:sp>
+      <p:pic>
+        <p:nvPicPr>
+          <p:cNvPr id="5" name="Content Placeholder 4">
+            <a:extLst>
+              <a:ext uri="{FF2B5EF4-FFF2-40B4-BE49-F238E27FC236}">
+                <a16:creationId xmlns:a16="http://schemas.microsoft.com/office/drawing/2014/main" id="{AB6CDB99-40A8-865B-78B5-6EE6E6256395}"/>
+              </a:ext>
+            </a:extLst>
+          </p:cNvPr>
+          <p:cNvPicPr>
+            <a:picLocks noGrp="1" noChangeAspect="1"/>
+          </p:cNvPicPr>
+          <p:nvPr>
+            <p:ph idx="1"/>
+          </p:nvPr>
+        </p:nvPicPr>
+        <p:blipFill>
+          <a:blip r:embed="rId2"/>
+          <a:stretch>
+            <a:fillRect/>
+          </a:stretch>
+        </p:blipFill>
+        <p:spPr>
+          <a:xfrm>
+            <a:off x="1164298" y="2201863"/>
+            <a:ext cx="4930114" cy="3541712"/>
+          </a:xfrm>
+        </p:spPr>
+      </p:pic>
+    </p:spTree>
+    <p:extLst>
+      <p:ext uri="{BB962C8B-B14F-4D97-AF65-F5344CB8AC3E}">
+        <p14:creationId xmlns:p14="http://schemas.microsoft.com/office/powerpoint/2010/main" val="2834885304"/>
+      </p:ext>
+    </p:extLst>
+  </p:cSld>
+  <p:clrMapOvr>
+    <a:masterClrMapping/>
+  </p:clrMapOvr>
+</p:sld>
+</file>
+
+<file path=ppt/slides/slide7.xml><?xml version="1.0" encoding="utf-8"?>
+<p:sld xmlns:a="http://schemas.openxmlformats.org/drawingml/2006/main" xmlns:r="http://schemas.openxmlformats.org/officeDocument/2006/relationships" xmlns:p="http://schemas.openxmlformats.org/presentationml/2006/main">
+  <p:cSld>
+    <p:spTree>
+      <p:nvGrpSpPr>
+        <p:cNvPr id="1" name=""/>
+        <p:cNvGrpSpPr/>
+        <p:nvPr/>
+      </p:nvGrpSpPr>
+      <p:grpSpPr>
+        <a:xfrm>
+          <a:off x="0" y="0"/>
+          <a:ext cx="0" cy="0"/>
+          <a:chOff x="0" y="0"/>
+          <a:chExt cx="0" cy="0"/>
+        </a:xfrm>
+      </p:grpSpPr>
+      <p:sp>
+        <p:nvSpPr>
+          <p:cNvPr id="2" name="Title 1">
+            <a:extLst>
+              <a:ext uri="{FF2B5EF4-FFF2-40B4-BE49-F238E27FC236}">
                 <a16:creationId xmlns:a16="http://schemas.microsoft.com/office/drawing/2014/main" id="{11BD747D-2595-EFC5-18A1-1773C1A32479}"/>
               </a:ext>
             </a:extLst>
@@ -12868,7 +13319,7 @@
 </p:sld>
 </file>
 
-<file path=ppt/slides/slide5.xml><?xml version="1.0" encoding="utf-8"?>
+<file path=ppt/slides/slide8.xml><?xml version="1.0" encoding="utf-8"?>
 <p:sld xmlns:a="http://schemas.openxmlformats.org/drawingml/2006/main" xmlns:r="http://schemas.openxmlformats.org/officeDocument/2006/relationships" xmlns:p="http://schemas.openxmlformats.org/presentationml/2006/main">
   <p:cSld>
     <p:spTree>
@@ -12987,7 +13438,7 @@
 </p:sld>
 </file>
 
-<file path=ppt/slides/slide6.xml><?xml version="1.0" encoding="utf-8"?>
+<file path=ppt/slides/slide9.xml><?xml version="1.0" encoding="utf-8"?>
 <p:sld xmlns:a="http://schemas.openxmlformats.org/drawingml/2006/main" xmlns:r="http://schemas.openxmlformats.org/officeDocument/2006/relationships" xmlns:p="http://schemas.openxmlformats.org/presentationml/2006/main">
   <p:cSld>
     <p:spTree>
@@ -13050,7 +13501,9 @@
         </p:nvSpPr>
         <p:spPr/>
         <p:txBody>
-          <a:bodyPr/>
+          <a:bodyPr>
+            <a:normAutofit lnSpcReduction="10000"/>
+          </a:bodyPr>
           <a:lstStyle/>
           <a:p>
             <a:r>
@@ -13086,8 +13539,14 @@
           </a:p>
           <a:p>
             <a:r>
-              <a:rPr lang="en-US"/>
+              <a:rPr lang="en-US" dirty="0"/>
               <a:t>REGROUP AND PRIORITIZE OFTEN</a:t>
+            </a:r>
+          </a:p>
+          <a:p>
+            <a:r>
+              <a:rPr lang="en-US" dirty="0"/>
+              <a:t>GITHUB-REPO: https://github.com/AndreWesterberg/MET.git</a:t>
             </a:r>
           </a:p>
         </p:txBody>
@@ -13096,72 +13555,6 @@
     <p:extLst>
       <p:ext uri="{BB962C8B-B14F-4D97-AF65-F5344CB8AC3E}">
         <p14:creationId xmlns:p14="http://schemas.microsoft.com/office/powerpoint/2010/main" val="2514007193"/>
-      </p:ext>
-    </p:extLst>
-  </p:cSld>
-  <p:clrMapOvr>
-    <a:masterClrMapping/>
-  </p:clrMapOvr>
-</p:sld>
-</file>
-
-<file path=ppt/slides/slide7.xml><?xml version="1.0" encoding="utf-8"?>
-<p:sld xmlns:a="http://schemas.openxmlformats.org/drawingml/2006/main" xmlns:r="http://schemas.openxmlformats.org/officeDocument/2006/relationships" xmlns:p="http://schemas.openxmlformats.org/presentationml/2006/main">
-  <p:cSld>
-    <p:spTree>
-      <p:nvGrpSpPr>
-        <p:cNvPr id="1" name=""/>
-        <p:cNvGrpSpPr/>
-        <p:nvPr/>
-      </p:nvGrpSpPr>
-      <p:grpSpPr>
-        <a:xfrm>
-          <a:off x="0" y="0"/>
-          <a:ext cx="0" cy="0"/>
-          <a:chOff x="0" y="0"/>
-          <a:chExt cx="0" cy="0"/>
-        </a:xfrm>
-      </p:grpSpPr>
-      <p:sp>
-        <p:nvSpPr>
-          <p:cNvPr id="2" name="Title 1">
-            <a:extLst>
-              <a:ext uri="{FF2B5EF4-FFF2-40B4-BE49-F238E27FC236}">
-                <a16:creationId xmlns:a16="http://schemas.microsoft.com/office/drawing/2014/main" id="{A960F838-8869-D934-C4BB-BD71DE4408C2}"/>
-              </a:ext>
-            </a:extLst>
-          </p:cNvPr>
-          <p:cNvSpPr>
-            <a:spLocks noGrp="1"/>
-          </p:cNvSpPr>
-          <p:nvPr>
-            <p:ph type="title"/>
-          </p:nvPr>
-        </p:nvSpPr>
-        <p:spPr>
-          <a:xfrm>
-            <a:off x="1141413" y="618518"/>
-            <a:ext cx="9905998" cy="5367612"/>
-          </a:xfrm>
-        </p:spPr>
-        <p:txBody>
-          <a:bodyPr>
-            <a:normAutofit/>
-          </a:bodyPr>
-          <a:lstStyle/>
-          <a:p>
-            <a:pPr algn="ctr"/>
-            <a:r>
-              <a:rPr lang="en-US" sz="11500" dirty="0"/>
-              <a:t>QUESTIONS?</a:t>
-            </a:r>
-          </a:p>
-        </p:txBody>
-      </p:sp>
-    </p:spTree>
-    <p:extLst>
-      <p:ext uri="{BB962C8B-B14F-4D97-AF65-F5344CB8AC3E}">
-        <p14:creationId xmlns:p14="http://schemas.microsoft.com/office/powerpoint/2010/main" val="1920636499"/>
       </p:ext>
     </p:extLst>
   </p:cSld>

--- a/ETL_MINI-PROJECT.pptx
+++ b/ETL_MINI-PROJECT.pptx
@@ -4,6 +4,9 @@
   <p:sldMasterIdLst>
     <p:sldMasterId id="2147483708" r:id="rId1"/>
   </p:sldMasterIdLst>
+  <p:notesMasterIdLst>
+    <p:notesMasterId r:id="rId16"/>
+  </p:notesMasterIdLst>
   <p:sldIdLst>
     <p:sldId id="256" r:id="rId2"/>
     <p:sldId id="257" r:id="rId3"/>
@@ -11,10 +14,14 @@
     <p:sldId id="263" r:id="rId5"/>
     <p:sldId id="264" r:id="rId6"/>
     <p:sldId id="265" r:id="rId7"/>
-    <p:sldId id="259" r:id="rId8"/>
-    <p:sldId id="258" r:id="rId9"/>
-    <p:sldId id="260" r:id="rId10"/>
-    <p:sldId id="262" r:id="rId11"/>
+    <p:sldId id="268" r:id="rId8"/>
+    <p:sldId id="259" r:id="rId9"/>
+    <p:sldId id="266" r:id="rId10"/>
+    <p:sldId id="267" r:id="rId11"/>
+    <p:sldId id="270" r:id="rId12"/>
+    <p:sldId id="258" r:id="rId13"/>
+    <p:sldId id="260" r:id="rId14"/>
+    <p:sldId id="262" r:id="rId15"/>
   </p:sldIdLst>
   <p:sldSz cx="12192000" cy="6858000"/>
   <p:notesSz cx="6858000" cy="9144000"/>
@@ -121,6 +128,459 @@
 </p:presentation>
 </file>
 
+<file path=ppt/notesMasters/notesMaster1.xml><?xml version="1.0" encoding="utf-8"?>
+<p:notesMaster xmlns:a="http://schemas.openxmlformats.org/drawingml/2006/main" xmlns:r="http://schemas.openxmlformats.org/officeDocument/2006/relationships" xmlns:p="http://schemas.openxmlformats.org/presentationml/2006/main">
+  <p:cSld>
+    <p:bg>
+      <p:bgRef idx="1001">
+        <a:schemeClr val="bg1"/>
+      </p:bgRef>
+    </p:bg>
+    <p:spTree>
+      <p:nvGrpSpPr>
+        <p:cNvPr id="1" name=""/>
+        <p:cNvGrpSpPr/>
+        <p:nvPr/>
+      </p:nvGrpSpPr>
+      <p:grpSpPr>
+        <a:xfrm>
+          <a:off x="0" y="0"/>
+          <a:ext cx="0" cy="0"/>
+          <a:chOff x="0" y="0"/>
+          <a:chExt cx="0" cy="0"/>
+        </a:xfrm>
+      </p:grpSpPr>
+      <p:sp>
+        <p:nvSpPr>
+          <p:cNvPr id="2" name="Header Placeholder 1"/>
+          <p:cNvSpPr>
+            <a:spLocks noGrp="1"/>
+          </p:cNvSpPr>
+          <p:nvPr>
+            <p:ph type="hdr" sz="quarter"/>
+          </p:nvPr>
+        </p:nvSpPr>
+        <p:spPr>
+          <a:xfrm>
+            <a:off x="0" y="0"/>
+            <a:ext cx="2971800" cy="458788"/>
+          </a:xfrm>
+          <a:prstGeom prst="rect">
+            <a:avLst/>
+          </a:prstGeom>
+        </p:spPr>
+        <p:txBody>
+          <a:bodyPr vert="horz" lIns="91440" tIns="45720" rIns="91440" bIns="45720" rtlCol="0"/>
+          <a:lstStyle>
+            <a:lvl1pPr algn="l">
+              <a:defRPr sz="1200"/>
+            </a:lvl1pPr>
+          </a:lstStyle>
+          <a:p>
+            <a:endParaRPr lang="en-US"/>
+          </a:p>
+        </p:txBody>
+      </p:sp>
+      <p:sp>
+        <p:nvSpPr>
+          <p:cNvPr id="3" name="Date Placeholder 2"/>
+          <p:cNvSpPr>
+            <a:spLocks noGrp="1"/>
+          </p:cNvSpPr>
+          <p:nvPr>
+            <p:ph type="dt" idx="1"/>
+          </p:nvPr>
+        </p:nvSpPr>
+        <p:spPr>
+          <a:xfrm>
+            <a:off x="3884613" y="0"/>
+            <a:ext cx="2971800" cy="458788"/>
+          </a:xfrm>
+          <a:prstGeom prst="rect">
+            <a:avLst/>
+          </a:prstGeom>
+        </p:spPr>
+        <p:txBody>
+          <a:bodyPr vert="horz" lIns="91440" tIns="45720" rIns="91440" bIns="45720" rtlCol="0"/>
+          <a:lstStyle>
+            <a:lvl1pPr algn="r">
+              <a:defRPr sz="1200"/>
+            </a:lvl1pPr>
+          </a:lstStyle>
+          <a:p>
+            <a:fld id="{242272A6-4BF7-4425-9E48-945EB324BF0C}" type="datetimeFigureOut">
+              <a:rPr lang="en-US" smtClean="0"/>
+              <a:t>1/23/2023</a:t>
+            </a:fld>
+            <a:endParaRPr lang="en-US"/>
+          </a:p>
+        </p:txBody>
+      </p:sp>
+      <p:sp>
+        <p:nvSpPr>
+          <p:cNvPr id="4" name="Slide Image Placeholder 3"/>
+          <p:cNvSpPr>
+            <a:spLocks noGrp="1" noRot="1" noChangeAspect="1"/>
+          </p:cNvSpPr>
+          <p:nvPr>
+            <p:ph type="sldImg" idx="2"/>
+          </p:nvPr>
+        </p:nvSpPr>
+        <p:spPr>
+          <a:xfrm>
+            <a:off x="685800" y="1143000"/>
+            <a:ext cx="5486400" cy="3086100"/>
+          </a:xfrm>
+          <a:prstGeom prst="rect">
+            <a:avLst/>
+          </a:prstGeom>
+          <a:noFill/>
+          <a:ln w="12700">
+            <a:solidFill>
+              <a:prstClr val="black"/>
+            </a:solidFill>
+          </a:ln>
+        </p:spPr>
+        <p:txBody>
+          <a:bodyPr vert="horz" lIns="91440" tIns="45720" rIns="91440" bIns="45720" rtlCol="0" anchor="ctr"/>
+          <a:lstStyle/>
+          <a:p>
+            <a:endParaRPr lang="en-US"/>
+          </a:p>
+        </p:txBody>
+      </p:sp>
+      <p:sp>
+        <p:nvSpPr>
+          <p:cNvPr id="5" name="Notes Placeholder 4"/>
+          <p:cNvSpPr>
+            <a:spLocks noGrp="1"/>
+          </p:cNvSpPr>
+          <p:nvPr>
+            <p:ph type="body" sz="quarter" idx="3"/>
+          </p:nvPr>
+        </p:nvSpPr>
+        <p:spPr>
+          <a:xfrm>
+            <a:off x="685800" y="4400550"/>
+            <a:ext cx="5486400" cy="3600450"/>
+          </a:xfrm>
+          <a:prstGeom prst="rect">
+            <a:avLst/>
+          </a:prstGeom>
+        </p:spPr>
+        <p:txBody>
+          <a:bodyPr vert="horz" lIns="91440" tIns="45720" rIns="91440" bIns="45720" rtlCol="0"/>
+          <a:lstStyle/>
+          <a:p>
+            <a:pPr lvl="0"/>
+            <a:r>
+              <a:rPr lang="en-US"/>
+              <a:t>Click to edit Master text styles</a:t>
+            </a:r>
+          </a:p>
+          <a:p>
+            <a:pPr lvl="1"/>
+            <a:r>
+              <a:rPr lang="en-US"/>
+              <a:t>Second level</a:t>
+            </a:r>
+          </a:p>
+          <a:p>
+            <a:pPr lvl="2"/>
+            <a:r>
+              <a:rPr lang="en-US"/>
+              <a:t>Third level</a:t>
+            </a:r>
+          </a:p>
+          <a:p>
+            <a:pPr lvl="3"/>
+            <a:r>
+              <a:rPr lang="en-US"/>
+              <a:t>Fourth level</a:t>
+            </a:r>
+          </a:p>
+          <a:p>
+            <a:pPr lvl="4"/>
+            <a:r>
+              <a:rPr lang="en-US"/>
+              <a:t>Fifth level</a:t>
+            </a:r>
+          </a:p>
+        </p:txBody>
+      </p:sp>
+      <p:sp>
+        <p:nvSpPr>
+          <p:cNvPr id="6" name="Footer Placeholder 5"/>
+          <p:cNvSpPr>
+            <a:spLocks noGrp="1"/>
+          </p:cNvSpPr>
+          <p:nvPr>
+            <p:ph type="ftr" sz="quarter" idx="4"/>
+          </p:nvPr>
+        </p:nvSpPr>
+        <p:spPr>
+          <a:xfrm>
+            <a:off x="0" y="8685213"/>
+            <a:ext cx="2971800" cy="458787"/>
+          </a:xfrm>
+          <a:prstGeom prst="rect">
+            <a:avLst/>
+          </a:prstGeom>
+        </p:spPr>
+        <p:txBody>
+          <a:bodyPr vert="horz" lIns="91440" tIns="45720" rIns="91440" bIns="45720" rtlCol="0" anchor="b"/>
+          <a:lstStyle>
+            <a:lvl1pPr algn="l">
+              <a:defRPr sz="1200"/>
+            </a:lvl1pPr>
+          </a:lstStyle>
+          <a:p>
+            <a:endParaRPr lang="en-US"/>
+          </a:p>
+        </p:txBody>
+      </p:sp>
+      <p:sp>
+        <p:nvSpPr>
+          <p:cNvPr id="7" name="Slide Number Placeholder 6"/>
+          <p:cNvSpPr>
+            <a:spLocks noGrp="1"/>
+          </p:cNvSpPr>
+          <p:nvPr>
+            <p:ph type="sldNum" sz="quarter" idx="5"/>
+          </p:nvPr>
+        </p:nvSpPr>
+        <p:spPr>
+          <a:xfrm>
+            <a:off x="3884613" y="8685213"/>
+            <a:ext cx="2971800" cy="458787"/>
+          </a:xfrm>
+          <a:prstGeom prst="rect">
+            <a:avLst/>
+          </a:prstGeom>
+        </p:spPr>
+        <p:txBody>
+          <a:bodyPr vert="horz" lIns="91440" tIns="45720" rIns="91440" bIns="45720" rtlCol="0" anchor="b"/>
+          <a:lstStyle>
+            <a:lvl1pPr algn="r">
+              <a:defRPr sz="1200"/>
+            </a:lvl1pPr>
+          </a:lstStyle>
+          <a:p>
+            <a:fld id="{2C51C1A8-0813-4AE8-9098-923A849CD278}" type="slidenum">
+              <a:rPr lang="en-US" smtClean="0"/>
+              <a:t>‹#›</a:t>
+            </a:fld>
+            <a:endParaRPr lang="en-US"/>
+          </a:p>
+        </p:txBody>
+      </p:sp>
+    </p:spTree>
+    <p:extLst>
+      <p:ext uri="{BB962C8B-B14F-4D97-AF65-F5344CB8AC3E}">
+        <p14:creationId xmlns:p14="http://schemas.microsoft.com/office/powerpoint/2010/main" val="22868839"/>
+      </p:ext>
+    </p:extLst>
+  </p:cSld>
+  <p:clrMap bg1="lt1" tx1="dk1" bg2="lt2" tx2="dk2" accent1="accent1" accent2="accent2" accent3="accent3" accent4="accent4" accent5="accent5" accent6="accent6" hlink="hlink" folHlink="folHlink"/>
+  <p:notesStyle>
+    <a:lvl1pPr marL="0" algn="l" defTabSz="914400" rtl="0" eaLnBrk="1" latinLnBrk="0" hangingPunct="1">
+      <a:defRPr sz="1200" kern="1200">
+        <a:solidFill>
+          <a:schemeClr val="tx1"/>
+        </a:solidFill>
+        <a:latin typeface="+mn-lt"/>
+        <a:ea typeface="+mn-ea"/>
+        <a:cs typeface="+mn-cs"/>
+      </a:defRPr>
+    </a:lvl1pPr>
+    <a:lvl2pPr marL="457200" algn="l" defTabSz="914400" rtl="0" eaLnBrk="1" latinLnBrk="0" hangingPunct="1">
+      <a:defRPr sz="1200" kern="1200">
+        <a:solidFill>
+          <a:schemeClr val="tx1"/>
+        </a:solidFill>
+        <a:latin typeface="+mn-lt"/>
+        <a:ea typeface="+mn-ea"/>
+        <a:cs typeface="+mn-cs"/>
+      </a:defRPr>
+    </a:lvl2pPr>
+    <a:lvl3pPr marL="914400" algn="l" defTabSz="914400" rtl="0" eaLnBrk="1" latinLnBrk="0" hangingPunct="1">
+      <a:defRPr sz="1200" kern="1200">
+        <a:solidFill>
+          <a:schemeClr val="tx1"/>
+        </a:solidFill>
+        <a:latin typeface="+mn-lt"/>
+        <a:ea typeface="+mn-ea"/>
+        <a:cs typeface="+mn-cs"/>
+      </a:defRPr>
+    </a:lvl3pPr>
+    <a:lvl4pPr marL="1371600" algn="l" defTabSz="914400" rtl="0" eaLnBrk="1" latinLnBrk="0" hangingPunct="1">
+      <a:defRPr sz="1200" kern="1200">
+        <a:solidFill>
+          <a:schemeClr val="tx1"/>
+        </a:solidFill>
+        <a:latin typeface="+mn-lt"/>
+        <a:ea typeface="+mn-ea"/>
+        <a:cs typeface="+mn-cs"/>
+      </a:defRPr>
+    </a:lvl4pPr>
+    <a:lvl5pPr marL="1828800" algn="l" defTabSz="914400" rtl="0" eaLnBrk="1" latinLnBrk="0" hangingPunct="1">
+      <a:defRPr sz="1200" kern="1200">
+        <a:solidFill>
+          <a:schemeClr val="tx1"/>
+        </a:solidFill>
+        <a:latin typeface="+mn-lt"/>
+        <a:ea typeface="+mn-ea"/>
+        <a:cs typeface="+mn-cs"/>
+      </a:defRPr>
+    </a:lvl5pPr>
+    <a:lvl6pPr marL="2286000" algn="l" defTabSz="914400" rtl="0" eaLnBrk="1" latinLnBrk="0" hangingPunct="1">
+      <a:defRPr sz="1200" kern="1200">
+        <a:solidFill>
+          <a:schemeClr val="tx1"/>
+        </a:solidFill>
+        <a:latin typeface="+mn-lt"/>
+        <a:ea typeface="+mn-ea"/>
+        <a:cs typeface="+mn-cs"/>
+      </a:defRPr>
+    </a:lvl6pPr>
+    <a:lvl7pPr marL="2743200" algn="l" defTabSz="914400" rtl="0" eaLnBrk="1" latinLnBrk="0" hangingPunct="1">
+      <a:defRPr sz="1200" kern="1200">
+        <a:solidFill>
+          <a:schemeClr val="tx1"/>
+        </a:solidFill>
+        <a:latin typeface="+mn-lt"/>
+        <a:ea typeface="+mn-ea"/>
+        <a:cs typeface="+mn-cs"/>
+      </a:defRPr>
+    </a:lvl7pPr>
+    <a:lvl8pPr marL="3200400" algn="l" defTabSz="914400" rtl="0" eaLnBrk="1" latinLnBrk="0" hangingPunct="1">
+      <a:defRPr sz="1200" kern="1200">
+        <a:solidFill>
+          <a:schemeClr val="tx1"/>
+        </a:solidFill>
+        <a:latin typeface="+mn-lt"/>
+        <a:ea typeface="+mn-ea"/>
+        <a:cs typeface="+mn-cs"/>
+      </a:defRPr>
+    </a:lvl8pPr>
+    <a:lvl9pPr marL="3657600" algn="l" defTabSz="914400" rtl="0" eaLnBrk="1" latinLnBrk="0" hangingPunct="1">
+      <a:defRPr sz="1200" kern="1200">
+        <a:solidFill>
+          <a:schemeClr val="tx1"/>
+        </a:solidFill>
+        <a:latin typeface="+mn-lt"/>
+        <a:ea typeface="+mn-ea"/>
+        <a:cs typeface="+mn-cs"/>
+      </a:defRPr>
+    </a:lvl9pPr>
+  </p:notesStyle>
+</p:notesMaster>
+</file>
+
+<file path=ppt/notesSlides/notesSlide1.xml><?xml version="1.0" encoding="utf-8"?>
+<p:notes xmlns:a="http://schemas.openxmlformats.org/drawingml/2006/main" xmlns:r="http://schemas.openxmlformats.org/officeDocument/2006/relationships" xmlns:p="http://schemas.openxmlformats.org/presentationml/2006/main">
+  <p:cSld>
+    <p:spTree>
+      <p:nvGrpSpPr>
+        <p:cNvPr id="1" name=""/>
+        <p:cNvGrpSpPr/>
+        <p:nvPr/>
+      </p:nvGrpSpPr>
+      <p:grpSpPr>
+        <a:xfrm>
+          <a:off x="0" y="0"/>
+          <a:ext cx="0" cy="0"/>
+          <a:chOff x="0" y="0"/>
+          <a:chExt cx="0" cy="0"/>
+        </a:xfrm>
+      </p:grpSpPr>
+      <p:sp>
+        <p:nvSpPr>
+          <p:cNvPr id="2" name="Slide Image Placeholder 1"/>
+          <p:cNvSpPr>
+            <a:spLocks noGrp="1" noRot="1" noChangeAspect="1"/>
+          </p:cNvSpPr>
+          <p:nvPr>
+            <p:ph type="sldImg"/>
+          </p:nvPr>
+        </p:nvSpPr>
+        <p:spPr/>
+      </p:sp>
+      <p:sp>
+        <p:nvSpPr>
+          <p:cNvPr id="3" name="Notes Placeholder 2"/>
+          <p:cNvSpPr>
+            <a:spLocks noGrp="1"/>
+          </p:cNvSpPr>
+          <p:nvPr>
+            <p:ph type="body" idx="1"/>
+          </p:nvPr>
+        </p:nvSpPr>
+        <p:spPr/>
+        <p:txBody>
+          <a:bodyPr/>
+          <a:lstStyle/>
+          <a:p>
+            <a:r>
+              <a:rPr lang="en-US" dirty="0" err="1"/>
+              <a:t>En</a:t>
+            </a:r>
+            <a:r>
+              <a:rPr lang="en-US" dirty="0"/>
+              <a:t> till </a:t>
+            </a:r>
+            <a:r>
+              <a:rPr lang="en-US" dirty="0" err="1"/>
+              <a:t>flera</a:t>
+            </a:r>
+            <a:r>
+              <a:rPr lang="en-US" dirty="0"/>
+              <a:t> </a:t>
+            </a:r>
+            <a:r>
+              <a:rPr lang="en-US" dirty="0" err="1"/>
+              <a:t>städer</a:t>
+            </a:r>
+            <a:endParaRPr lang="en-US" dirty="0"/>
+          </a:p>
+        </p:txBody>
+      </p:sp>
+      <p:sp>
+        <p:nvSpPr>
+          <p:cNvPr id="4" name="Slide Number Placeholder 3"/>
+          <p:cNvSpPr>
+            <a:spLocks noGrp="1"/>
+          </p:cNvSpPr>
+          <p:nvPr>
+            <p:ph type="sldNum" sz="quarter" idx="5"/>
+          </p:nvPr>
+        </p:nvSpPr>
+        <p:spPr/>
+        <p:txBody>
+          <a:bodyPr/>
+          <a:lstStyle/>
+          <a:p>
+            <a:fld id="{2C51C1A8-0813-4AE8-9098-923A849CD278}" type="slidenum">
+              <a:rPr lang="en-US" smtClean="0"/>
+              <a:t>12</a:t>
+            </a:fld>
+            <a:endParaRPr lang="en-US"/>
+          </a:p>
+        </p:txBody>
+      </p:sp>
+    </p:spTree>
+    <p:extLst>
+      <p:ext uri="{BB962C8B-B14F-4D97-AF65-F5344CB8AC3E}">
+        <p14:creationId xmlns:p14="http://schemas.microsoft.com/office/powerpoint/2010/main" val="2524135574"/>
+      </p:ext>
+    </p:extLst>
+  </p:cSld>
+  <p:clrMapOvr>
+    <a:masterClrMapping/>
+  </p:clrMapOvr>
+</p:notes>
+</file>
+
 <file path=ppt/slideLayouts/slideLayout1.xml><?xml version="1.0" encoding="utf-8"?>
 <p:sldLayout xmlns:a="http://schemas.openxmlformats.org/drawingml/2006/main" xmlns:r="http://schemas.openxmlformats.org/officeDocument/2006/relationships" xmlns:p="http://schemas.openxmlformats.org/presentationml/2006/main" showMasterSp="0" type="title" preserve="1">
   <p:cSld name="Title Slide">
@@ -171,7 +631,7 @@
           <a:noFill/>
           <a:extLst>
             <a:ext uri="{909E8E84-426E-40dd-AFC4-6F175D3DCCD1}">
-              <a14:hiddenFill xmlns="" xmlns:a14="http://schemas.microsoft.com/office/drawing/2010/main">
+              <a14:hiddenFill xmlns:a14="http://schemas.microsoft.com/office/drawing/2010/main" xmlns="">
                 <a:solidFill>
                   <a:srgbClr val="FFFFFF"/>
                 </a:solidFill>
@@ -231,7 +691,7 @@
             </a:ln>
             <a:extLst>
               <a:ext uri="{91240B29-F687-4f45-9708-019B960494DF}">
-                <a14:hiddenLine xmlns="" xmlns:a14="http://schemas.microsoft.com/office/drawing/2010/main" w="9525">
+                <a14:hiddenLine xmlns:a14="http://schemas.microsoft.com/office/drawing/2010/main" xmlns="" w="9525">
                   <a:solidFill>
                     <a:srgbClr val="000000"/>
                   </a:solidFill>
@@ -321,7 +781,7 @@
             </a:ln>
             <a:extLst>
               <a:ext uri="{91240B29-F687-4f45-9708-019B960494DF}">
-                <a14:hiddenLine xmlns="" xmlns:a14="http://schemas.microsoft.com/office/drawing/2010/main" w="9525">
+                <a14:hiddenLine xmlns:a14="http://schemas.microsoft.com/office/drawing/2010/main" xmlns="" w="9525">
                   <a:solidFill>
                     <a:srgbClr val="000000"/>
                   </a:solidFill>
@@ -411,7 +871,7 @@
             </a:ln>
             <a:extLst>
               <a:ext uri="{91240B29-F687-4f45-9708-019B960494DF}">
-                <a14:hiddenLine xmlns="" xmlns:a14="http://schemas.microsoft.com/office/drawing/2010/main" w="9525">
+                <a14:hiddenLine xmlns:a14="http://schemas.microsoft.com/office/drawing/2010/main" xmlns="" w="9525">
                   <a:solidFill>
                     <a:srgbClr val="000000"/>
                   </a:solidFill>
@@ -445,7 +905,7 @@
             </a:ln>
             <a:extLst>
               <a:ext uri="{91240B29-F687-4f45-9708-019B960494DF}">
-                <a14:hiddenLine xmlns="" xmlns:a14="http://schemas.microsoft.com/office/drawing/2010/main" w="9525">
+                <a14:hiddenLine xmlns:a14="http://schemas.microsoft.com/office/drawing/2010/main" xmlns="" w="9525">
                   <a:solidFill>
                     <a:srgbClr val="000000"/>
                   </a:solidFill>
@@ -535,7 +995,7 @@
             </a:ln>
             <a:extLst>
               <a:ext uri="{91240B29-F687-4f45-9708-019B960494DF}">
-                <a14:hiddenLine xmlns="" xmlns:a14="http://schemas.microsoft.com/office/drawing/2010/main" w="9525">
+                <a14:hiddenLine xmlns:a14="http://schemas.microsoft.com/office/drawing/2010/main" xmlns="" w="9525">
                   <a:solidFill>
                     <a:srgbClr val="000000"/>
                   </a:solidFill>
@@ -597,7 +1057,7 @@
             </a:ln>
             <a:extLst>
               <a:ext uri="{91240B29-F687-4f45-9708-019B960494DF}">
-                <a14:hiddenLine xmlns="" xmlns:a14="http://schemas.microsoft.com/office/drawing/2010/main" w="9525">
+                <a14:hiddenLine xmlns:a14="http://schemas.microsoft.com/office/drawing/2010/main" xmlns="" w="9525">
                   <a:solidFill>
                     <a:srgbClr val="000000"/>
                   </a:solidFill>
@@ -659,7 +1119,7 @@
             </a:ln>
             <a:extLst>
               <a:ext uri="{91240B29-F687-4f45-9708-019B960494DF}">
-                <a14:hiddenLine xmlns="" xmlns:a14="http://schemas.microsoft.com/office/drawing/2010/main" w="9525">
+                <a14:hiddenLine xmlns:a14="http://schemas.microsoft.com/office/drawing/2010/main" xmlns="" w="9525">
                   <a:solidFill>
                     <a:srgbClr val="000000"/>
                   </a:solidFill>
@@ -749,7 +1209,7 @@
             </a:ln>
             <a:extLst>
               <a:ext uri="{91240B29-F687-4f45-9708-019B960494DF}">
-                <a14:hiddenLine xmlns="" xmlns:a14="http://schemas.microsoft.com/office/drawing/2010/main" w="9525">
+                <a14:hiddenLine xmlns:a14="http://schemas.microsoft.com/office/drawing/2010/main" xmlns="" w="9525">
                   <a:solidFill>
                     <a:srgbClr val="000000"/>
                   </a:solidFill>
@@ -811,7 +1271,7 @@
             </a:ln>
             <a:extLst>
               <a:ext uri="{91240B29-F687-4f45-9708-019B960494DF}">
-                <a14:hiddenLine xmlns="" xmlns:a14="http://schemas.microsoft.com/office/drawing/2010/main" w="9525">
+                <a14:hiddenLine xmlns:a14="http://schemas.microsoft.com/office/drawing/2010/main" xmlns="" w="9525">
                   <a:solidFill>
                     <a:srgbClr val="000000"/>
                   </a:solidFill>
@@ -873,7 +1333,7 @@
             </a:ln>
             <a:extLst>
               <a:ext uri="{91240B29-F687-4f45-9708-019B960494DF}">
-                <a14:hiddenLine xmlns="" xmlns:a14="http://schemas.microsoft.com/office/drawing/2010/main" w="9525">
+                <a14:hiddenLine xmlns:a14="http://schemas.microsoft.com/office/drawing/2010/main" xmlns="" w="9525">
                   <a:solidFill>
                     <a:srgbClr val="000000"/>
                   </a:solidFill>
@@ -963,7 +1423,7 @@
             </a:ln>
             <a:extLst>
               <a:ext uri="{91240B29-F687-4f45-9708-019B960494DF}">
-                <a14:hiddenLine xmlns="" xmlns:a14="http://schemas.microsoft.com/office/drawing/2010/main" w="9525">
+                <a14:hiddenLine xmlns:a14="http://schemas.microsoft.com/office/drawing/2010/main" xmlns="" w="9525">
                   <a:solidFill>
                     <a:srgbClr val="000000"/>
                   </a:solidFill>
@@ -1053,7 +1513,7 @@
             </a:ln>
             <a:extLst>
               <a:ext uri="{91240B29-F687-4f45-9708-019B960494DF}">
-                <a14:hiddenLine xmlns="" xmlns:a14="http://schemas.microsoft.com/office/drawing/2010/main" w="9525">
+                <a14:hiddenLine xmlns:a14="http://schemas.microsoft.com/office/drawing/2010/main" xmlns="" w="9525">
                   <a:solidFill>
                     <a:srgbClr val="000000"/>
                   </a:solidFill>
@@ -1115,7 +1575,7 @@
             </a:ln>
             <a:extLst>
               <a:ext uri="{91240B29-F687-4f45-9708-019B960494DF}">
-                <a14:hiddenLine xmlns="" xmlns:a14="http://schemas.microsoft.com/office/drawing/2010/main" w="9525">
+                <a14:hiddenLine xmlns:a14="http://schemas.microsoft.com/office/drawing/2010/main" xmlns="" w="9525">
                   <a:solidFill>
                     <a:srgbClr val="000000"/>
                   </a:solidFill>
@@ -1225,7 +1685,7 @@
             </a:ln>
             <a:extLst>
               <a:ext uri="{91240B29-F687-4f45-9708-019B960494DF}">
-                <a14:hiddenLine xmlns="" xmlns:a14="http://schemas.microsoft.com/office/drawing/2010/main" w="9525">
+                <a14:hiddenLine xmlns:a14="http://schemas.microsoft.com/office/drawing/2010/main" xmlns="" w="9525">
                   <a:solidFill>
                     <a:srgbClr val="000000"/>
                   </a:solidFill>
@@ -1287,7 +1747,7 @@
             </a:ln>
             <a:extLst>
               <a:ext uri="{91240B29-F687-4f45-9708-019B960494DF}">
-                <a14:hiddenLine xmlns="" xmlns:a14="http://schemas.microsoft.com/office/drawing/2010/main" w="9525">
+                <a14:hiddenLine xmlns:a14="http://schemas.microsoft.com/office/drawing/2010/main" xmlns="" w="9525">
                   <a:solidFill>
                     <a:srgbClr val="000000"/>
                   </a:solidFill>
@@ -1377,7 +1837,7 @@
             </a:ln>
             <a:extLst>
               <a:ext uri="{91240B29-F687-4f45-9708-019B960494DF}">
-                <a14:hiddenLine xmlns="" xmlns:a14="http://schemas.microsoft.com/office/drawing/2010/main" w="9525">
+                <a14:hiddenLine xmlns:a14="http://schemas.microsoft.com/office/drawing/2010/main" xmlns="" w="9525">
                   <a:solidFill>
                     <a:srgbClr val="000000"/>
                   </a:solidFill>
@@ -1467,7 +1927,7 @@
             </a:ln>
             <a:extLst>
               <a:ext uri="{91240B29-F687-4f45-9708-019B960494DF}">
-                <a14:hiddenLine xmlns="" xmlns:a14="http://schemas.microsoft.com/office/drawing/2010/main" w="9525">
+                <a14:hiddenLine xmlns:a14="http://schemas.microsoft.com/office/drawing/2010/main" xmlns="" w="9525">
                   <a:solidFill>
                     <a:srgbClr val="000000"/>
                   </a:solidFill>
@@ -1529,7 +1989,7 @@
             </a:ln>
             <a:extLst>
               <a:ext uri="{91240B29-F687-4f45-9708-019B960494DF}">
-                <a14:hiddenLine xmlns="" xmlns:a14="http://schemas.microsoft.com/office/drawing/2010/main" w="9525">
+                <a14:hiddenLine xmlns:a14="http://schemas.microsoft.com/office/drawing/2010/main" xmlns="" w="9525">
                   <a:solidFill>
                     <a:srgbClr val="000000"/>
                   </a:solidFill>
@@ -1619,7 +2079,7 @@
             </a:ln>
             <a:extLst>
               <a:ext uri="{91240B29-F687-4f45-9708-019B960494DF}">
-                <a14:hiddenLine xmlns="" xmlns:a14="http://schemas.microsoft.com/office/drawing/2010/main" w="9525">
+                <a14:hiddenLine xmlns:a14="http://schemas.microsoft.com/office/drawing/2010/main" xmlns="" w="9525">
                   <a:solidFill>
                     <a:srgbClr val="000000"/>
                   </a:solidFill>
@@ -1709,7 +2169,7 @@
             </a:ln>
             <a:extLst>
               <a:ext uri="{91240B29-F687-4f45-9708-019B960494DF}">
-                <a14:hiddenLine xmlns="" xmlns:a14="http://schemas.microsoft.com/office/drawing/2010/main" w="9525">
+                <a14:hiddenLine xmlns:a14="http://schemas.microsoft.com/office/drawing/2010/main" xmlns="" w="9525">
                   <a:solidFill>
                     <a:srgbClr val="000000"/>
                   </a:solidFill>
@@ -1765,7 +2225,7 @@
             </a:ln>
             <a:extLst>
               <a:ext uri="{91240B29-F687-4f45-9708-019B960494DF}">
-                <a14:hiddenLine xmlns="" xmlns:a14="http://schemas.microsoft.com/office/drawing/2010/main" w="9525">
+                <a14:hiddenLine xmlns:a14="http://schemas.microsoft.com/office/drawing/2010/main" xmlns="" w="9525">
                   <a:solidFill>
                     <a:srgbClr val="000000"/>
                   </a:solidFill>
@@ -1855,7 +2315,7 @@
             </a:ln>
             <a:extLst>
               <a:ext uri="{91240B29-F687-4f45-9708-019B960494DF}">
-                <a14:hiddenLine xmlns="" xmlns:a14="http://schemas.microsoft.com/office/drawing/2010/main" w="9525">
+                <a14:hiddenLine xmlns:a14="http://schemas.microsoft.com/office/drawing/2010/main" xmlns="" w="9525">
                   <a:solidFill>
                     <a:srgbClr val="000000"/>
                   </a:solidFill>
@@ -1911,7 +2371,7 @@
             </a:ln>
             <a:extLst>
               <a:ext uri="{91240B29-F687-4f45-9708-019B960494DF}">
-                <a14:hiddenLine xmlns="" xmlns:a14="http://schemas.microsoft.com/office/drawing/2010/main" w="9525">
+                <a14:hiddenLine xmlns:a14="http://schemas.microsoft.com/office/drawing/2010/main" xmlns="" w="9525">
                   <a:solidFill>
                     <a:srgbClr val="000000"/>
                   </a:solidFill>
@@ -2001,7 +2461,7 @@
             </a:ln>
             <a:extLst>
               <a:ext uri="{91240B29-F687-4f45-9708-019B960494DF}">
-                <a14:hiddenLine xmlns="" xmlns:a14="http://schemas.microsoft.com/office/drawing/2010/main" w="9525">
+                <a14:hiddenLine xmlns:a14="http://schemas.microsoft.com/office/drawing/2010/main" xmlns="" w="9525">
                   <a:solidFill>
                     <a:srgbClr val="000000"/>
                   </a:solidFill>
@@ -2069,7 +2529,7 @@
             </a:ln>
             <a:extLst>
               <a:ext uri="{91240B29-F687-4f45-9708-019B960494DF}">
-                <a14:hiddenLine xmlns="" xmlns:a14="http://schemas.microsoft.com/office/drawing/2010/main" w="9525">
+                <a14:hiddenLine xmlns:a14="http://schemas.microsoft.com/office/drawing/2010/main" xmlns="" w="9525">
                   <a:solidFill>
                     <a:srgbClr val="000000"/>
                   </a:solidFill>
@@ -2159,7 +2619,7 @@
             </a:ln>
             <a:extLst>
               <a:ext uri="{91240B29-F687-4f45-9708-019B960494DF}">
-                <a14:hiddenLine xmlns="" xmlns:a14="http://schemas.microsoft.com/office/drawing/2010/main" w="9525">
+                <a14:hiddenLine xmlns:a14="http://schemas.microsoft.com/office/drawing/2010/main" xmlns="" w="9525">
                   <a:solidFill>
                     <a:srgbClr val="000000"/>
                   </a:solidFill>
@@ -2227,7 +2687,7 @@
             </a:ln>
             <a:extLst>
               <a:ext uri="{91240B29-F687-4f45-9708-019B960494DF}">
-                <a14:hiddenLine xmlns="" xmlns:a14="http://schemas.microsoft.com/office/drawing/2010/main" w="9525">
+                <a14:hiddenLine xmlns:a14="http://schemas.microsoft.com/office/drawing/2010/main" xmlns="" w="9525">
                   <a:solidFill>
                     <a:srgbClr val="000000"/>
                   </a:solidFill>
@@ -2317,7 +2777,7 @@
             </a:ln>
             <a:extLst>
               <a:ext uri="{91240B29-F687-4f45-9708-019B960494DF}">
-                <a14:hiddenLine xmlns="" xmlns:a14="http://schemas.microsoft.com/office/drawing/2010/main" w="9525">
+                <a14:hiddenLine xmlns:a14="http://schemas.microsoft.com/office/drawing/2010/main" xmlns="" w="9525">
                   <a:solidFill>
                     <a:srgbClr val="000000"/>
                   </a:solidFill>
@@ -2351,7 +2811,7 @@
             </a:ln>
             <a:extLst>
               <a:ext uri="{91240B29-F687-4f45-9708-019B960494DF}">
-                <a14:hiddenLine xmlns="" xmlns:a14="http://schemas.microsoft.com/office/drawing/2010/main" w="9525">
+                <a14:hiddenLine xmlns:a14="http://schemas.microsoft.com/office/drawing/2010/main" xmlns="" w="9525">
                   <a:solidFill>
                     <a:srgbClr val="000000"/>
                   </a:solidFill>
@@ -2441,7 +2901,7 @@
             </a:ln>
             <a:extLst>
               <a:ext uri="{91240B29-F687-4f45-9708-019B960494DF}">
-                <a14:hiddenLine xmlns="" xmlns:a14="http://schemas.microsoft.com/office/drawing/2010/main" w="9525">
+                <a14:hiddenLine xmlns:a14="http://schemas.microsoft.com/office/drawing/2010/main" xmlns="" w="9525">
                   <a:solidFill>
                     <a:srgbClr val="000000"/>
                   </a:solidFill>
@@ -2503,7 +2963,7 @@
             </a:ln>
             <a:extLst>
               <a:ext uri="{91240B29-F687-4f45-9708-019B960494DF}">
-                <a14:hiddenLine xmlns="" xmlns:a14="http://schemas.microsoft.com/office/drawing/2010/main" w="9525">
+                <a14:hiddenLine xmlns:a14="http://schemas.microsoft.com/office/drawing/2010/main" xmlns="" w="9525">
                   <a:solidFill>
                     <a:srgbClr val="000000"/>
                   </a:solidFill>
@@ -2565,7 +3025,7 @@
             </a:ln>
             <a:extLst>
               <a:ext uri="{91240B29-F687-4f45-9708-019B960494DF}">
-                <a14:hiddenLine xmlns="" xmlns:a14="http://schemas.microsoft.com/office/drawing/2010/main" w="9525">
+                <a14:hiddenLine xmlns:a14="http://schemas.microsoft.com/office/drawing/2010/main" xmlns="" w="9525">
                   <a:solidFill>
                     <a:srgbClr val="000000"/>
                   </a:solidFill>
@@ -2655,7 +3115,7 @@
             </a:ln>
             <a:extLst>
               <a:ext uri="{91240B29-F687-4f45-9708-019B960494DF}">
-                <a14:hiddenLine xmlns="" xmlns:a14="http://schemas.microsoft.com/office/drawing/2010/main" w="9525">
+                <a14:hiddenLine xmlns:a14="http://schemas.microsoft.com/office/drawing/2010/main" xmlns="" w="9525">
                   <a:solidFill>
                     <a:srgbClr val="000000"/>
                   </a:solidFill>
@@ -2723,7 +3183,7 @@
             </a:ln>
             <a:extLst>
               <a:ext uri="{91240B29-F687-4f45-9708-019B960494DF}">
-                <a14:hiddenLine xmlns="" xmlns:a14="http://schemas.microsoft.com/office/drawing/2010/main" w="9525">
+                <a14:hiddenLine xmlns:a14="http://schemas.microsoft.com/office/drawing/2010/main" xmlns="" w="9525">
                   <a:solidFill>
                     <a:srgbClr val="000000"/>
                   </a:solidFill>
@@ -2785,7 +3245,7 @@
             </a:ln>
             <a:extLst>
               <a:ext uri="{91240B29-F687-4f45-9708-019B960494DF}">
-                <a14:hiddenLine xmlns="" xmlns:a14="http://schemas.microsoft.com/office/drawing/2010/main" w="9525">
+                <a14:hiddenLine xmlns:a14="http://schemas.microsoft.com/office/drawing/2010/main" xmlns="" w="9525">
                   <a:solidFill>
                     <a:srgbClr val="000000"/>
                   </a:solidFill>
@@ -2875,7 +3335,7 @@
             </a:ln>
             <a:extLst>
               <a:ext uri="{91240B29-F687-4f45-9708-019B960494DF}">
-                <a14:hiddenLine xmlns="" xmlns:a14="http://schemas.microsoft.com/office/drawing/2010/main" w="9525">
+                <a14:hiddenLine xmlns:a14="http://schemas.microsoft.com/office/drawing/2010/main" xmlns="" w="9525">
                   <a:solidFill>
                     <a:srgbClr val="000000"/>
                   </a:solidFill>
@@ -2937,7 +3397,7 @@
             </a:ln>
             <a:extLst>
               <a:ext uri="{91240B29-F687-4f45-9708-019B960494DF}">
-                <a14:hiddenLine xmlns="" xmlns:a14="http://schemas.microsoft.com/office/drawing/2010/main" w="9525">
+                <a14:hiddenLine xmlns:a14="http://schemas.microsoft.com/office/drawing/2010/main" xmlns="" w="9525">
                   <a:solidFill>
                     <a:srgbClr val="000000"/>
                   </a:solidFill>
@@ -3027,7 +3487,7 @@
             </a:ln>
             <a:extLst>
               <a:ext uri="{91240B29-F687-4f45-9708-019B960494DF}">
-                <a14:hiddenLine xmlns="" xmlns:a14="http://schemas.microsoft.com/office/drawing/2010/main" w="9525">
+                <a14:hiddenLine xmlns:a14="http://schemas.microsoft.com/office/drawing/2010/main" xmlns="" w="9525">
                   <a:solidFill>
                     <a:srgbClr val="000000"/>
                   </a:solidFill>
@@ -3089,7 +3549,7 @@
             </a:ln>
             <a:extLst>
               <a:ext uri="{91240B29-F687-4f45-9708-019B960494DF}">
-                <a14:hiddenLine xmlns="" xmlns:a14="http://schemas.microsoft.com/office/drawing/2010/main" w="9525">
+                <a14:hiddenLine xmlns:a14="http://schemas.microsoft.com/office/drawing/2010/main" xmlns="" w="9525">
                   <a:solidFill>
                     <a:srgbClr val="000000"/>
                   </a:solidFill>
@@ -3179,7 +3639,7 @@
             </a:ln>
             <a:extLst>
               <a:ext uri="{91240B29-F687-4f45-9708-019B960494DF}">
-                <a14:hiddenLine xmlns="" xmlns:a14="http://schemas.microsoft.com/office/drawing/2010/main" w="9525">
+                <a14:hiddenLine xmlns:a14="http://schemas.microsoft.com/office/drawing/2010/main" xmlns="" w="9525">
                   <a:solidFill>
                     <a:srgbClr val="000000"/>
                   </a:solidFill>
@@ -3213,7 +3673,7 @@
             </a:ln>
             <a:extLst>
               <a:ext uri="{91240B29-F687-4f45-9708-019B960494DF}">
-                <a14:hiddenLine xmlns="" xmlns:a14="http://schemas.microsoft.com/office/drawing/2010/main" w="9525">
+                <a14:hiddenLine xmlns:a14="http://schemas.microsoft.com/office/drawing/2010/main" xmlns="" w="9525">
                   <a:solidFill>
                     <a:srgbClr val="000000"/>
                   </a:solidFill>
@@ -3278,7 +3738,7 @@
             </a:ln>
             <a:extLst>
               <a:ext uri="{91240B29-F687-4f45-9708-019B960494DF}">
-                <a14:hiddenLine xmlns="" xmlns:a14="http://schemas.microsoft.com/office/drawing/2010/main" w="9525">
+                <a14:hiddenLine xmlns:a14="http://schemas.microsoft.com/office/drawing/2010/main" xmlns="" w="9525">
                   <a:solidFill>
                     <a:srgbClr val="000000"/>
                   </a:solidFill>
@@ -3368,7 +3828,7 @@
             </a:ln>
             <a:extLst>
               <a:ext uri="{91240B29-F687-4f45-9708-019B960494DF}">
-                <a14:hiddenLine xmlns="" xmlns:a14="http://schemas.microsoft.com/office/drawing/2010/main" w="9525">
+                <a14:hiddenLine xmlns:a14="http://schemas.microsoft.com/office/drawing/2010/main" xmlns="" w="9525">
                   <a:solidFill>
                     <a:srgbClr val="000000"/>
                   </a:solidFill>
@@ -3430,7 +3890,7 @@
             </a:ln>
             <a:extLst>
               <a:ext uri="{91240B29-F687-4f45-9708-019B960494DF}">
-                <a14:hiddenLine xmlns="" xmlns:a14="http://schemas.microsoft.com/office/drawing/2010/main" w="9525">
+                <a14:hiddenLine xmlns:a14="http://schemas.microsoft.com/office/drawing/2010/main" xmlns="" w="9525">
                   <a:solidFill>
                     <a:srgbClr val="000000"/>
                   </a:solidFill>
@@ -3520,7 +3980,7 @@
             </a:ln>
             <a:extLst>
               <a:ext uri="{91240B29-F687-4f45-9708-019B960494DF}">
-                <a14:hiddenLine xmlns="" xmlns:a14="http://schemas.microsoft.com/office/drawing/2010/main" w="9525">
+                <a14:hiddenLine xmlns:a14="http://schemas.microsoft.com/office/drawing/2010/main" xmlns="" w="9525">
                   <a:solidFill>
                     <a:srgbClr val="000000"/>
                   </a:solidFill>
@@ -3610,7 +4070,7 @@
             </a:ln>
             <a:extLst>
               <a:ext uri="{91240B29-F687-4f45-9708-019B960494DF}">
-                <a14:hiddenLine xmlns="" xmlns:a14="http://schemas.microsoft.com/office/drawing/2010/main" w="9525">
+                <a14:hiddenLine xmlns:a14="http://schemas.microsoft.com/office/drawing/2010/main" xmlns="" w="9525">
                   <a:solidFill>
                     <a:srgbClr val="000000"/>
                   </a:solidFill>
@@ -3675,7 +4135,7 @@
             </a:ln>
             <a:extLst>
               <a:ext uri="{91240B29-F687-4f45-9708-019B960494DF}">
-                <a14:hiddenLine xmlns="" xmlns:a14="http://schemas.microsoft.com/office/drawing/2010/main" w="9525">
+                <a14:hiddenLine xmlns:a14="http://schemas.microsoft.com/office/drawing/2010/main" xmlns="" w="9525">
                   <a:solidFill>
                     <a:srgbClr val="000000"/>
                   </a:solidFill>
@@ -3737,7 +4197,7 @@
             </a:ln>
             <a:extLst>
               <a:ext uri="{91240B29-F687-4f45-9708-019B960494DF}">
-                <a14:hiddenLine xmlns="" xmlns:a14="http://schemas.microsoft.com/office/drawing/2010/main" w="9525">
+                <a14:hiddenLine xmlns:a14="http://schemas.microsoft.com/office/drawing/2010/main" xmlns="" w="9525">
                   <a:solidFill>
                     <a:srgbClr val="000000"/>
                   </a:solidFill>
@@ -3827,7 +4287,7 @@
             </a:ln>
             <a:extLst>
               <a:ext uri="{91240B29-F687-4f45-9708-019B960494DF}">
-                <a14:hiddenLine xmlns="" xmlns:a14="http://schemas.microsoft.com/office/drawing/2010/main" w="9525">
+                <a14:hiddenLine xmlns:a14="http://schemas.microsoft.com/office/drawing/2010/main" xmlns="" w="9525">
                   <a:solidFill>
                     <a:srgbClr val="000000"/>
                   </a:solidFill>
@@ -3917,7 +4377,7 @@
             </a:ln>
             <a:extLst>
               <a:ext uri="{91240B29-F687-4f45-9708-019B960494DF}">
-                <a14:hiddenLine xmlns="" xmlns:a14="http://schemas.microsoft.com/office/drawing/2010/main" w="9525">
+                <a14:hiddenLine xmlns:a14="http://schemas.microsoft.com/office/drawing/2010/main" xmlns="" w="9525">
                   <a:solidFill>
                     <a:srgbClr val="000000"/>
                   </a:solidFill>
@@ -3979,7 +4439,7 @@
             </a:ln>
             <a:extLst>
               <a:ext uri="{91240B29-F687-4f45-9708-019B960494DF}">
-                <a14:hiddenLine xmlns="" xmlns:a14="http://schemas.microsoft.com/office/drawing/2010/main" w="9525">
+                <a14:hiddenLine xmlns:a14="http://schemas.microsoft.com/office/drawing/2010/main" xmlns="" w="9525">
                   <a:solidFill>
                     <a:srgbClr val="000000"/>
                   </a:solidFill>
@@ -4099,7 +4559,7 @@
             </a:ln>
             <a:extLst>
               <a:ext uri="{91240B29-F687-4f45-9708-019B960494DF}">
-                <a14:hiddenLine xmlns="" xmlns:a14="http://schemas.microsoft.com/office/drawing/2010/main" w="9525">
+                <a14:hiddenLine xmlns:a14="http://schemas.microsoft.com/office/drawing/2010/main" xmlns="" w="9525">
                   <a:solidFill>
                     <a:srgbClr val="000000"/>
                   </a:solidFill>
@@ -4167,7 +4627,7 @@
             </a:ln>
             <a:extLst>
               <a:ext uri="{91240B29-F687-4f45-9708-019B960494DF}">
-                <a14:hiddenLine xmlns="" xmlns:a14="http://schemas.microsoft.com/office/drawing/2010/main" w="9525">
+                <a14:hiddenLine xmlns:a14="http://schemas.microsoft.com/office/drawing/2010/main" xmlns="" w="9525">
                   <a:solidFill>
                     <a:srgbClr val="000000"/>
                   </a:solidFill>
@@ -4257,7 +4717,7 @@
             </a:ln>
             <a:extLst>
               <a:ext uri="{91240B29-F687-4f45-9708-019B960494DF}">
-                <a14:hiddenLine xmlns="" xmlns:a14="http://schemas.microsoft.com/office/drawing/2010/main" w="9525">
+                <a14:hiddenLine xmlns:a14="http://schemas.microsoft.com/office/drawing/2010/main" xmlns="" w="9525">
                   <a:solidFill>
                     <a:srgbClr val="000000"/>
                   </a:solidFill>
@@ -9064,7 +9524,7 @@
           <a:noFill/>
           <a:extLst>
             <a:ext uri="{909E8E84-426E-40dd-AFC4-6F175D3DCCD1}">
-              <a14:hiddenFill xmlns="" xmlns:a14="http://schemas.microsoft.com/office/drawing/2010/main">
+              <a14:hiddenFill xmlns:a14="http://schemas.microsoft.com/office/drawing/2010/main" xmlns="">
                 <a:solidFill>
                   <a:srgbClr val="FFFFFF"/>
                 </a:solidFill>
@@ -9138,7 +9598,7 @@
               </a:ln>
               <a:extLst>
                 <a:ext uri="{91240B29-F687-4f45-9708-019B960494DF}">
-                  <a14:hiddenLine xmlns="" xmlns:a14="http://schemas.microsoft.com/office/drawing/2010/main" w="9525">
+                  <a14:hiddenLine xmlns:a14="http://schemas.microsoft.com/office/drawing/2010/main" xmlns="" w="9525">
                     <a:solidFill>
                       <a:srgbClr val="000000"/>
                     </a:solidFill>
@@ -9228,7 +9688,7 @@
               </a:ln>
               <a:extLst>
                 <a:ext uri="{91240B29-F687-4f45-9708-019B960494DF}">
-                  <a14:hiddenLine xmlns="" xmlns:a14="http://schemas.microsoft.com/office/drawing/2010/main" w="9525">
+                  <a14:hiddenLine xmlns:a14="http://schemas.microsoft.com/office/drawing/2010/main" xmlns="" w="9525">
                     <a:solidFill>
                       <a:srgbClr val="000000"/>
                     </a:solidFill>
@@ -9318,7 +9778,7 @@
               </a:ln>
               <a:extLst>
                 <a:ext uri="{91240B29-F687-4f45-9708-019B960494DF}">
-                  <a14:hiddenLine xmlns="" xmlns:a14="http://schemas.microsoft.com/office/drawing/2010/main" w="9525">
+                  <a14:hiddenLine xmlns:a14="http://schemas.microsoft.com/office/drawing/2010/main" xmlns="" w="9525">
                     <a:solidFill>
                       <a:srgbClr val="000000"/>
                     </a:solidFill>
@@ -9380,7 +9840,7 @@
               </a:ln>
               <a:extLst>
                 <a:ext uri="{91240B29-F687-4f45-9708-019B960494DF}">
-                  <a14:hiddenLine xmlns="" xmlns:a14="http://schemas.microsoft.com/office/drawing/2010/main" w="9525">
+                  <a14:hiddenLine xmlns:a14="http://schemas.microsoft.com/office/drawing/2010/main" xmlns="" w="9525">
                     <a:solidFill>
                       <a:srgbClr val="000000"/>
                     </a:solidFill>
@@ -9470,7 +9930,7 @@
               </a:ln>
               <a:extLst>
                 <a:ext uri="{91240B29-F687-4f45-9708-019B960494DF}">
-                  <a14:hiddenLine xmlns="" xmlns:a14="http://schemas.microsoft.com/office/drawing/2010/main" w="9525">
+                  <a14:hiddenLine xmlns:a14="http://schemas.microsoft.com/office/drawing/2010/main" xmlns="" w="9525">
                     <a:solidFill>
                       <a:srgbClr val="000000"/>
                     </a:solidFill>
@@ -9532,7 +9992,7 @@
               </a:ln>
               <a:extLst>
                 <a:ext uri="{91240B29-F687-4f45-9708-019B960494DF}">
-                  <a14:hiddenLine xmlns="" xmlns:a14="http://schemas.microsoft.com/office/drawing/2010/main" w="9525">
+                  <a14:hiddenLine xmlns:a14="http://schemas.microsoft.com/office/drawing/2010/main" xmlns="" w="9525">
                     <a:solidFill>
                       <a:srgbClr val="000000"/>
                     </a:solidFill>
@@ -9594,7 +10054,7 @@
               </a:ln>
               <a:extLst>
                 <a:ext uri="{91240B29-F687-4f45-9708-019B960494DF}">
-                  <a14:hiddenLine xmlns="" xmlns:a14="http://schemas.microsoft.com/office/drawing/2010/main" w="9525">
+                  <a14:hiddenLine xmlns:a14="http://schemas.microsoft.com/office/drawing/2010/main" xmlns="" w="9525">
                     <a:solidFill>
                       <a:srgbClr val="000000"/>
                     </a:solidFill>
@@ -9684,7 +10144,7 @@
               </a:ln>
               <a:extLst>
                 <a:ext uri="{91240B29-F687-4f45-9708-019B960494DF}">
-                  <a14:hiddenLine xmlns="" xmlns:a14="http://schemas.microsoft.com/office/drawing/2010/main" w="9525">
+                  <a14:hiddenLine xmlns:a14="http://schemas.microsoft.com/office/drawing/2010/main" xmlns="" w="9525">
                     <a:solidFill>
                       <a:srgbClr val="000000"/>
                     </a:solidFill>
@@ -9774,7 +10234,7 @@
               </a:ln>
               <a:extLst>
                 <a:ext uri="{91240B29-F687-4f45-9708-019B960494DF}">
-                  <a14:hiddenLine xmlns="" xmlns:a14="http://schemas.microsoft.com/office/drawing/2010/main" w="9525">
+                  <a14:hiddenLine xmlns:a14="http://schemas.microsoft.com/office/drawing/2010/main" xmlns="" w="9525">
                     <a:solidFill>
                       <a:srgbClr val="000000"/>
                     </a:solidFill>
@@ -9836,7 +10296,7 @@
               </a:ln>
               <a:extLst>
                 <a:ext uri="{91240B29-F687-4f45-9708-019B960494DF}">
-                  <a14:hiddenLine xmlns="" xmlns:a14="http://schemas.microsoft.com/office/drawing/2010/main" w="9525">
+                  <a14:hiddenLine xmlns:a14="http://schemas.microsoft.com/office/drawing/2010/main" xmlns="" w="9525">
                     <a:solidFill>
                       <a:srgbClr val="000000"/>
                     </a:solidFill>
@@ -9946,7 +10406,7 @@
               </a:ln>
               <a:extLst>
                 <a:ext uri="{91240B29-F687-4f45-9708-019B960494DF}">
-                  <a14:hiddenLine xmlns="" xmlns:a14="http://schemas.microsoft.com/office/drawing/2010/main" w="9525">
+                  <a14:hiddenLine xmlns:a14="http://schemas.microsoft.com/office/drawing/2010/main" xmlns="" w="9525">
                     <a:solidFill>
                       <a:srgbClr val="000000"/>
                     </a:solidFill>
@@ -10030,7 +10490,7 @@
               </a:ln>
               <a:extLst>
                 <a:ext uri="{91240B29-F687-4f45-9708-019B960494DF}">
-                  <a14:hiddenLine xmlns="" xmlns:a14="http://schemas.microsoft.com/office/drawing/2010/main" w="9525">
+                  <a14:hiddenLine xmlns:a14="http://schemas.microsoft.com/office/drawing/2010/main" xmlns="" w="9525">
                     <a:solidFill>
                       <a:srgbClr val="000000"/>
                     </a:solidFill>
@@ -10092,7 +10552,7 @@
               </a:ln>
               <a:extLst>
                 <a:ext uri="{91240B29-F687-4f45-9708-019B960494DF}">
-                  <a14:hiddenLine xmlns="" xmlns:a14="http://schemas.microsoft.com/office/drawing/2010/main" w="9525">
+                  <a14:hiddenLine xmlns:a14="http://schemas.microsoft.com/office/drawing/2010/main" xmlns="" w="9525">
                     <a:solidFill>
                       <a:srgbClr val="000000"/>
                     </a:solidFill>
@@ -10154,7 +10614,7 @@
               </a:ln>
               <a:extLst>
                 <a:ext uri="{91240B29-F687-4f45-9708-019B960494DF}">
-                  <a14:hiddenLine xmlns="" xmlns:a14="http://schemas.microsoft.com/office/drawing/2010/main" w="9525">
+                  <a14:hiddenLine xmlns:a14="http://schemas.microsoft.com/office/drawing/2010/main" xmlns="" w="9525">
                     <a:solidFill>
                       <a:srgbClr val="000000"/>
                     </a:solidFill>
@@ -10244,7 +10704,7 @@
               </a:ln>
               <a:extLst>
                 <a:ext uri="{91240B29-F687-4f45-9708-019B960494DF}">
-                  <a14:hiddenLine xmlns="" xmlns:a14="http://schemas.microsoft.com/office/drawing/2010/main" w="9525">
+                  <a14:hiddenLine xmlns:a14="http://schemas.microsoft.com/office/drawing/2010/main" xmlns="" w="9525">
                     <a:solidFill>
                       <a:srgbClr val="000000"/>
                     </a:solidFill>
@@ -10278,7 +10738,7 @@
               </a:ln>
               <a:extLst>
                 <a:ext uri="{91240B29-F687-4f45-9708-019B960494DF}">
-                  <a14:hiddenLine xmlns="" xmlns:a14="http://schemas.microsoft.com/office/drawing/2010/main" w="9525">
+                  <a14:hiddenLine xmlns:a14="http://schemas.microsoft.com/office/drawing/2010/main" xmlns="" w="9525">
                     <a:solidFill>
                       <a:srgbClr val="000000"/>
                     </a:solidFill>
@@ -10343,7 +10803,7 @@
               </a:ln>
               <a:extLst>
                 <a:ext uri="{91240B29-F687-4f45-9708-019B960494DF}">
-                  <a14:hiddenLine xmlns="" xmlns:a14="http://schemas.microsoft.com/office/drawing/2010/main" w="9525">
+                  <a14:hiddenLine xmlns:a14="http://schemas.microsoft.com/office/drawing/2010/main" xmlns="" w="9525">
                     <a:solidFill>
                       <a:srgbClr val="000000"/>
                     </a:solidFill>
@@ -10433,7 +10893,7 @@
               </a:ln>
               <a:extLst>
                 <a:ext uri="{91240B29-F687-4f45-9708-019B960494DF}">
-                  <a14:hiddenLine xmlns="" xmlns:a14="http://schemas.microsoft.com/office/drawing/2010/main" w="9525">
+                  <a14:hiddenLine xmlns:a14="http://schemas.microsoft.com/office/drawing/2010/main" xmlns="" w="9525">
                     <a:solidFill>
                       <a:srgbClr val="000000"/>
                     </a:solidFill>
@@ -10495,7 +10955,7 @@
               </a:ln>
               <a:extLst>
                 <a:ext uri="{91240B29-F687-4f45-9708-019B960494DF}">
-                  <a14:hiddenLine xmlns="" xmlns:a14="http://schemas.microsoft.com/office/drawing/2010/main" w="9525">
+                  <a14:hiddenLine xmlns:a14="http://schemas.microsoft.com/office/drawing/2010/main" xmlns="" w="9525">
                     <a:solidFill>
                       <a:srgbClr val="000000"/>
                     </a:solidFill>
@@ -10585,7 +11045,7 @@
               </a:ln>
               <a:extLst>
                 <a:ext uri="{91240B29-F687-4f45-9708-019B960494DF}">
-                  <a14:hiddenLine xmlns="" xmlns:a14="http://schemas.microsoft.com/office/drawing/2010/main" w="9525">
+                  <a14:hiddenLine xmlns:a14="http://schemas.microsoft.com/office/drawing/2010/main" xmlns="" w="9525">
                     <a:solidFill>
                       <a:srgbClr val="000000"/>
                     </a:solidFill>
@@ -10650,7 +11110,7 @@
               </a:ln>
               <a:extLst>
                 <a:ext uri="{91240B29-F687-4f45-9708-019B960494DF}">
-                  <a14:hiddenLine xmlns="" xmlns:a14="http://schemas.microsoft.com/office/drawing/2010/main" w="9525">
+                  <a14:hiddenLine xmlns:a14="http://schemas.microsoft.com/office/drawing/2010/main" xmlns="" w="9525">
                     <a:solidFill>
                       <a:srgbClr val="000000"/>
                     </a:solidFill>
@@ -10712,7 +11172,7 @@
               </a:ln>
               <a:extLst>
                 <a:ext uri="{91240B29-F687-4f45-9708-019B960494DF}">
-                  <a14:hiddenLine xmlns="" xmlns:a14="http://schemas.microsoft.com/office/drawing/2010/main" w="9525">
+                  <a14:hiddenLine xmlns:a14="http://schemas.microsoft.com/office/drawing/2010/main" xmlns="" w="9525">
                     <a:solidFill>
                       <a:srgbClr val="000000"/>
                     </a:solidFill>
@@ -10802,7 +11262,7 @@
               </a:ln>
               <a:extLst>
                 <a:ext uri="{91240B29-F687-4f45-9708-019B960494DF}">
-                  <a14:hiddenLine xmlns="" xmlns:a14="http://schemas.microsoft.com/office/drawing/2010/main" w="9525">
+                  <a14:hiddenLine xmlns:a14="http://schemas.microsoft.com/office/drawing/2010/main" xmlns="" w="9525">
                     <a:solidFill>
                       <a:srgbClr val="000000"/>
                     </a:solidFill>
@@ -10892,7 +11352,7 @@
               </a:ln>
               <a:extLst>
                 <a:ext uri="{91240B29-F687-4f45-9708-019B960494DF}">
-                  <a14:hiddenLine xmlns="" xmlns:a14="http://schemas.microsoft.com/office/drawing/2010/main" w="9525">
+                  <a14:hiddenLine xmlns:a14="http://schemas.microsoft.com/office/drawing/2010/main" xmlns="" w="9525">
                     <a:solidFill>
                       <a:srgbClr val="000000"/>
                     </a:solidFill>
@@ -10957,7 +11417,7 @@
               </a:ln>
               <a:extLst>
                 <a:ext uri="{91240B29-F687-4f45-9708-019B960494DF}">
-                  <a14:hiddenLine xmlns="" xmlns:a14="http://schemas.microsoft.com/office/drawing/2010/main" w="9525">
+                  <a14:hiddenLine xmlns:a14="http://schemas.microsoft.com/office/drawing/2010/main" xmlns="" w="9525">
                     <a:solidFill>
                       <a:srgbClr val="000000"/>
                     </a:solidFill>
@@ -11077,7 +11537,7 @@
               </a:ln>
               <a:extLst>
                 <a:ext uri="{91240B29-F687-4f45-9708-019B960494DF}">
-                  <a14:hiddenLine xmlns="" xmlns:a14="http://schemas.microsoft.com/office/drawing/2010/main" w="9525">
+                  <a14:hiddenLine xmlns:a14="http://schemas.microsoft.com/office/drawing/2010/main" xmlns="" w="9525">
                     <a:solidFill>
                       <a:srgbClr val="000000"/>
                     </a:solidFill>
@@ -11175,7 +11635,7 @@
               </a:ln>
               <a:extLst>
                 <a:ext uri="{91240B29-F687-4f45-9708-019B960494DF}">
-                  <a14:hiddenLine xmlns="" xmlns:a14="http://schemas.microsoft.com/office/drawing/2010/main" w="9525">
+                  <a14:hiddenLine xmlns:a14="http://schemas.microsoft.com/office/drawing/2010/main" xmlns="" w="9525">
                     <a:solidFill>
                       <a:srgbClr val="000000"/>
                     </a:solidFill>
@@ -11290,7 +11750,7 @@
               </a:ln>
               <a:extLst>
                 <a:ext uri="{91240B29-F687-4f45-9708-019B960494DF}">
-                  <a14:hiddenLine xmlns="" xmlns:a14="http://schemas.microsoft.com/office/drawing/2010/main" w="9525">
+                  <a14:hiddenLine xmlns:a14="http://schemas.microsoft.com/office/drawing/2010/main" xmlns="" w="9525">
                     <a:solidFill>
                       <a:srgbClr val="000000"/>
                     </a:solidFill>
@@ -11380,7 +11840,7 @@
               </a:ln>
               <a:extLst>
                 <a:ext uri="{91240B29-F687-4f45-9708-019B960494DF}">
-                  <a14:hiddenLine xmlns="" xmlns:a14="http://schemas.microsoft.com/office/drawing/2010/main" w="9525">
+                  <a14:hiddenLine xmlns:a14="http://schemas.microsoft.com/office/drawing/2010/main" xmlns="" w="9525">
                     <a:solidFill>
                       <a:srgbClr val="000000"/>
                     </a:solidFill>
@@ -11445,7 +11905,7 @@
               </a:ln>
               <a:extLst>
                 <a:ext uri="{91240B29-F687-4f45-9708-019B960494DF}">
-                  <a14:hiddenLine xmlns="" xmlns:a14="http://schemas.microsoft.com/office/drawing/2010/main" w="9525">
+                  <a14:hiddenLine xmlns:a14="http://schemas.microsoft.com/office/drawing/2010/main" xmlns="" w="9525">
                     <a:solidFill>
                       <a:srgbClr val="000000"/>
                     </a:solidFill>
@@ -11535,7 +11995,7 @@
               </a:ln>
               <a:extLst>
                 <a:ext uri="{91240B29-F687-4f45-9708-019B960494DF}">
-                  <a14:hiddenLine xmlns="" xmlns:a14="http://schemas.microsoft.com/office/drawing/2010/main" w="9525">
+                  <a14:hiddenLine xmlns:a14="http://schemas.microsoft.com/office/drawing/2010/main" xmlns="" w="9525">
                     <a:solidFill>
                       <a:srgbClr val="000000"/>
                     </a:solidFill>
@@ -11603,7 +12063,7 @@
               </a:ln>
               <a:extLst>
                 <a:ext uri="{91240B29-F687-4f45-9708-019B960494DF}">
-                  <a14:hiddenLine xmlns="" xmlns:a14="http://schemas.microsoft.com/office/drawing/2010/main" w="9525">
+                  <a14:hiddenLine xmlns:a14="http://schemas.microsoft.com/office/drawing/2010/main" xmlns="" w="9525">
                     <a:solidFill>
                       <a:srgbClr val="000000"/>
                     </a:solidFill>
@@ -11693,7 +12153,7 @@
               </a:ln>
               <a:extLst>
                 <a:ext uri="{91240B29-F687-4f45-9708-019B960494DF}">
-                  <a14:hiddenLine xmlns="" xmlns:a14="http://schemas.microsoft.com/office/drawing/2010/main" w="9525">
+                  <a14:hiddenLine xmlns:a14="http://schemas.microsoft.com/office/drawing/2010/main" xmlns="" w="9525">
                     <a:solidFill>
                       <a:srgbClr val="000000"/>
                     </a:solidFill>
@@ -11761,7 +12221,7 @@
               </a:ln>
               <a:extLst>
                 <a:ext uri="{91240B29-F687-4f45-9708-019B960494DF}">
-                  <a14:hiddenLine xmlns="" xmlns:a14="http://schemas.microsoft.com/office/drawing/2010/main" w="9525">
+                  <a14:hiddenLine xmlns:a14="http://schemas.microsoft.com/office/drawing/2010/main" xmlns="" w="9525">
                     <a:solidFill>
                       <a:srgbClr val="000000"/>
                     </a:solidFill>
@@ -11851,7 +12311,7 @@
               </a:ln>
               <a:extLst>
                 <a:ext uri="{91240B29-F687-4f45-9708-019B960494DF}">
-                  <a14:hiddenLine xmlns="" xmlns:a14="http://schemas.microsoft.com/office/drawing/2010/main" w="9525">
+                  <a14:hiddenLine xmlns:a14="http://schemas.microsoft.com/office/drawing/2010/main" xmlns="" w="9525">
                     <a:solidFill>
                       <a:srgbClr val="000000"/>
                     </a:solidFill>
@@ -11885,7 +12345,7 @@
               </a:ln>
               <a:extLst>
                 <a:ext uri="{91240B29-F687-4f45-9708-019B960494DF}">
-                  <a14:hiddenLine xmlns="" xmlns:a14="http://schemas.microsoft.com/office/drawing/2010/main" w="9525">
+                  <a14:hiddenLine xmlns:a14="http://schemas.microsoft.com/office/drawing/2010/main" xmlns="" w="9525">
                     <a:solidFill>
                       <a:srgbClr val="000000"/>
                     </a:solidFill>
@@ -12580,6 +13040,405 @@
           <p:cNvPr id="2" name="Title 1">
             <a:extLst>
               <a:ext uri="{FF2B5EF4-FFF2-40B4-BE49-F238E27FC236}">
+                <a16:creationId xmlns:a16="http://schemas.microsoft.com/office/drawing/2014/main" id="{208289E3-1F33-9F1F-881B-74484A374CDE}"/>
+              </a:ext>
+            </a:extLst>
+          </p:cNvPr>
+          <p:cNvSpPr>
+            <a:spLocks noGrp="1"/>
+          </p:cNvSpPr>
+          <p:nvPr>
+            <p:ph type="title"/>
+          </p:nvPr>
+        </p:nvSpPr>
+        <p:spPr/>
+        <p:txBody>
+          <a:bodyPr/>
+          <a:lstStyle/>
+          <a:p>
+            <a:r>
+              <a:rPr lang="en-US" dirty="0"/>
+              <a:t>visualization</a:t>
+            </a:r>
+          </a:p>
+        </p:txBody>
+      </p:sp>
+      <p:pic>
+        <p:nvPicPr>
+          <p:cNvPr id="4" name="Picture 3">
+            <a:extLst>
+              <a:ext uri="{FF2B5EF4-FFF2-40B4-BE49-F238E27FC236}">
+                <a16:creationId xmlns:a16="http://schemas.microsoft.com/office/drawing/2014/main" id="{6130977B-C08E-8D03-F4EB-46563B477CA1}"/>
+              </a:ext>
+            </a:extLst>
+          </p:cNvPr>
+          <p:cNvPicPr>
+            <a:picLocks noChangeAspect="1"/>
+          </p:cNvPicPr>
+          <p:nvPr/>
+        </p:nvPicPr>
+        <p:blipFill>
+          <a:blip r:embed="rId2"/>
+          <a:stretch>
+            <a:fillRect/>
+          </a:stretch>
+        </p:blipFill>
+        <p:spPr>
+          <a:xfrm>
+            <a:off x="1141413" y="2323956"/>
+            <a:ext cx="9121930" cy="3314987"/>
+          </a:xfrm>
+          <a:prstGeom prst="rect">
+            <a:avLst/>
+          </a:prstGeom>
+        </p:spPr>
+      </p:pic>
+    </p:spTree>
+    <p:extLst>
+      <p:ext uri="{BB962C8B-B14F-4D97-AF65-F5344CB8AC3E}">
+        <p14:creationId xmlns:p14="http://schemas.microsoft.com/office/powerpoint/2010/main" val="269030182"/>
+      </p:ext>
+    </p:extLst>
+  </p:cSld>
+  <p:clrMapOvr>
+    <a:masterClrMapping/>
+  </p:clrMapOvr>
+</p:sld>
+</file>
+
+<file path=ppt/slides/slide11.xml><?xml version="1.0" encoding="utf-8"?>
+<p:sld xmlns:a="http://schemas.openxmlformats.org/drawingml/2006/main" xmlns:r="http://schemas.openxmlformats.org/officeDocument/2006/relationships" xmlns:p="http://schemas.openxmlformats.org/presentationml/2006/main">
+  <p:cSld>
+    <p:spTree>
+      <p:nvGrpSpPr>
+        <p:cNvPr id="1" name=""/>
+        <p:cNvGrpSpPr/>
+        <p:nvPr/>
+      </p:nvGrpSpPr>
+      <p:grpSpPr>
+        <a:xfrm>
+          <a:off x="0" y="0"/>
+          <a:ext cx="0" cy="0"/>
+          <a:chOff x="0" y="0"/>
+          <a:chExt cx="0" cy="0"/>
+        </a:xfrm>
+      </p:grpSpPr>
+      <p:sp>
+        <p:nvSpPr>
+          <p:cNvPr id="2" name="Title 1">
+            <a:extLst>
+              <a:ext uri="{FF2B5EF4-FFF2-40B4-BE49-F238E27FC236}">
+                <a16:creationId xmlns:a16="http://schemas.microsoft.com/office/drawing/2014/main" id="{11BD747D-2595-EFC5-18A1-1773C1A32479}"/>
+              </a:ext>
+            </a:extLst>
+          </p:cNvPr>
+          <p:cNvSpPr>
+            <a:spLocks noGrp="1"/>
+          </p:cNvSpPr>
+          <p:nvPr>
+            <p:ph type="title"/>
+          </p:nvPr>
+        </p:nvSpPr>
+        <p:spPr>
+          <a:xfrm>
+            <a:off x="1141413" y="618518"/>
+            <a:ext cx="9905998" cy="5208124"/>
+          </a:xfrm>
+        </p:spPr>
+        <p:txBody>
+          <a:bodyPr>
+            <a:noAutofit/>
+          </a:bodyPr>
+          <a:lstStyle/>
+          <a:p>
+            <a:pPr algn="ctr"/>
+            <a:r>
+              <a:rPr lang="en-US" sz="17900" dirty="0"/>
+              <a:t>Plotting</a:t>
+            </a:r>
+          </a:p>
+        </p:txBody>
+      </p:sp>
+    </p:spTree>
+    <p:extLst>
+      <p:ext uri="{BB962C8B-B14F-4D97-AF65-F5344CB8AC3E}">
+        <p14:creationId xmlns:p14="http://schemas.microsoft.com/office/powerpoint/2010/main" val="2640430968"/>
+      </p:ext>
+    </p:extLst>
+  </p:cSld>
+  <p:clrMapOvr>
+    <a:masterClrMapping/>
+  </p:clrMapOvr>
+</p:sld>
+</file>
+
+<file path=ppt/slides/slide12.xml><?xml version="1.0" encoding="utf-8"?>
+<p:sld xmlns:a="http://schemas.openxmlformats.org/drawingml/2006/main" xmlns:r="http://schemas.openxmlformats.org/officeDocument/2006/relationships" xmlns:p="http://schemas.openxmlformats.org/presentationml/2006/main">
+  <p:cSld>
+    <p:spTree>
+      <p:nvGrpSpPr>
+        <p:cNvPr id="1" name=""/>
+        <p:cNvGrpSpPr/>
+        <p:nvPr/>
+      </p:nvGrpSpPr>
+      <p:grpSpPr>
+        <a:xfrm>
+          <a:off x="0" y="0"/>
+          <a:ext cx="0" cy="0"/>
+          <a:chOff x="0" y="0"/>
+          <a:chExt cx="0" cy="0"/>
+        </a:xfrm>
+      </p:grpSpPr>
+      <p:sp>
+        <p:nvSpPr>
+          <p:cNvPr id="2" name="Title 1">
+            <a:extLst>
+              <a:ext uri="{FF2B5EF4-FFF2-40B4-BE49-F238E27FC236}">
+                <a16:creationId xmlns:a16="http://schemas.microsoft.com/office/drawing/2014/main" id="{17B41720-5FAF-D44F-46FC-7D9179BBC43A}"/>
+              </a:ext>
+            </a:extLst>
+          </p:cNvPr>
+          <p:cNvSpPr>
+            <a:spLocks noGrp="1"/>
+          </p:cNvSpPr>
+          <p:nvPr>
+            <p:ph type="title"/>
+          </p:nvPr>
+        </p:nvSpPr>
+        <p:spPr/>
+        <p:txBody>
+          <a:bodyPr/>
+          <a:lstStyle/>
+          <a:p>
+            <a:r>
+              <a:rPr lang="en-US" dirty="0"/>
+              <a:t>Experiences</a:t>
+            </a:r>
+          </a:p>
+        </p:txBody>
+      </p:sp>
+      <p:sp>
+        <p:nvSpPr>
+          <p:cNvPr id="3" name="Content Placeholder 2">
+            <a:extLst>
+              <a:ext uri="{FF2B5EF4-FFF2-40B4-BE49-F238E27FC236}">
+                <a16:creationId xmlns:a16="http://schemas.microsoft.com/office/drawing/2014/main" id="{DC47F3FF-BF43-CFC3-696D-1FB538EF5C54}"/>
+              </a:ext>
+            </a:extLst>
+          </p:cNvPr>
+          <p:cNvSpPr>
+            <a:spLocks noGrp="1"/>
+          </p:cNvSpPr>
+          <p:nvPr>
+            <p:ph idx="1"/>
+          </p:nvPr>
+        </p:nvSpPr>
+        <p:spPr/>
+        <p:txBody>
+          <a:bodyPr/>
+          <a:lstStyle/>
+          <a:p>
+            <a:r>
+              <a:rPr lang="en-US" dirty="0"/>
+              <a:t>ROLES</a:t>
+            </a:r>
+          </a:p>
+          <a:p>
+            <a:pPr lvl="1"/>
+            <a:r>
+              <a:rPr lang="en-US" dirty="0"/>
+              <a:t>GIT </a:t>
+            </a:r>
+          </a:p>
+          <a:p>
+            <a:pPr lvl="1"/>
+            <a:r>
+              <a:rPr lang="en-US" dirty="0"/>
+              <a:t>DAG/AIRFLOW</a:t>
+            </a:r>
+          </a:p>
+          <a:p>
+            <a:pPr lvl="1"/>
+            <a:r>
+              <a:rPr lang="en-US" dirty="0"/>
+              <a:t>CODE REVIEW</a:t>
+            </a:r>
+          </a:p>
+          <a:p>
+            <a:r>
+              <a:rPr lang="en-US" dirty="0"/>
+              <a:t>PYTHON</a:t>
+            </a:r>
+          </a:p>
+          <a:p>
+            <a:r>
+              <a:rPr lang="en-US" dirty="0"/>
+              <a:t>SQL</a:t>
+            </a:r>
+          </a:p>
+        </p:txBody>
+      </p:sp>
+    </p:spTree>
+    <p:extLst>
+      <p:ext uri="{BB962C8B-B14F-4D97-AF65-F5344CB8AC3E}">
+        <p14:creationId xmlns:p14="http://schemas.microsoft.com/office/powerpoint/2010/main" val="2791903042"/>
+      </p:ext>
+    </p:extLst>
+  </p:cSld>
+  <p:clrMapOvr>
+    <a:masterClrMapping/>
+  </p:clrMapOvr>
+</p:sld>
+</file>
+
+<file path=ppt/slides/slide13.xml><?xml version="1.0" encoding="utf-8"?>
+<p:sld xmlns:a="http://schemas.openxmlformats.org/drawingml/2006/main" xmlns:r="http://schemas.openxmlformats.org/officeDocument/2006/relationships" xmlns:p="http://schemas.openxmlformats.org/presentationml/2006/main">
+  <p:cSld>
+    <p:spTree>
+      <p:nvGrpSpPr>
+        <p:cNvPr id="1" name=""/>
+        <p:cNvGrpSpPr/>
+        <p:nvPr/>
+      </p:nvGrpSpPr>
+      <p:grpSpPr>
+        <a:xfrm>
+          <a:off x="0" y="0"/>
+          <a:ext cx="0" cy="0"/>
+          <a:chOff x="0" y="0"/>
+          <a:chExt cx="0" cy="0"/>
+        </a:xfrm>
+      </p:grpSpPr>
+      <p:sp>
+        <p:nvSpPr>
+          <p:cNvPr id="2" name="Title 1">
+            <a:extLst>
+              <a:ext uri="{FF2B5EF4-FFF2-40B4-BE49-F238E27FC236}">
+                <a16:creationId xmlns:a16="http://schemas.microsoft.com/office/drawing/2014/main" id="{39D6C258-BF4D-0780-DB65-74ADA793F227}"/>
+              </a:ext>
+            </a:extLst>
+          </p:cNvPr>
+          <p:cNvSpPr>
+            <a:spLocks noGrp="1"/>
+          </p:cNvSpPr>
+          <p:nvPr>
+            <p:ph type="title"/>
+          </p:nvPr>
+        </p:nvSpPr>
+        <p:spPr/>
+        <p:txBody>
+          <a:bodyPr/>
+          <a:lstStyle/>
+          <a:p>
+            <a:r>
+              <a:rPr lang="en-US" dirty="0"/>
+              <a:t>Experiences</a:t>
+            </a:r>
+          </a:p>
+        </p:txBody>
+      </p:sp>
+      <p:sp>
+        <p:nvSpPr>
+          <p:cNvPr id="3" name="Content Placeholder 2">
+            <a:extLst>
+              <a:ext uri="{FF2B5EF4-FFF2-40B4-BE49-F238E27FC236}">
+                <a16:creationId xmlns:a16="http://schemas.microsoft.com/office/drawing/2014/main" id="{E3D06795-FDC6-55E9-6A2C-5A19385BABEE}"/>
+              </a:ext>
+            </a:extLst>
+          </p:cNvPr>
+          <p:cNvSpPr>
+            <a:spLocks noGrp="1"/>
+          </p:cNvSpPr>
+          <p:nvPr>
+            <p:ph idx="1"/>
+          </p:nvPr>
+        </p:nvSpPr>
+        <p:spPr/>
+        <p:txBody>
+          <a:bodyPr>
+            <a:normAutofit lnSpcReduction="10000"/>
+          </a:bodyPr>
+          <a:lstStyle/>
+          <a:p>
+            <a:r>
+              <a:rPr lang="en-US" dirty="0"/>
+              <a:t>PROBLEMS</a:t>
+            </a:r>
+          </a:p>
+          <a:p>
+            <a:pPr lvl="1"/>
+            <a:r>
+              <a:rPr lang="en-US" dirty="0"/>
+              <a:t>PANDAS</a:t>
+            </a:r>
+          </a:p>
+          <a:p>
+            <a:pPr lvl="1"/>
+            <a:r>
+              <a:rPr lang="en-US" dirty="0"/>
+              <a:t>DAG/AIRFLOW</a:t>
+            </a:r>
+          </a:p>
+          <a:p>
+            <a:r>
+              <a:rPr lang="en-US" dirty="0"/>
+              <a:t>LISTS &amp; DICTIONARIES</a:t>
+            </a:r>
+          </a:p>
+          <a:p>
+            <a:r>
+              <a:rPr lang="en-US" dirty="0"/>
+              <a:t>USE EVERYONE’S BEST SKILLS</a:t>
+            </a:r>
+          </a:p>
+          <a:p>
+            <a:r>
+              <a:rPr lang="en-US" dirty="0"/>
+              <a:t>REGROUP AND PRIORITIZE OFTEN</a:t>
+            </a:r>
+          </a:p>
+          <a:p>
+            <a:r>
+              <a:rPr lang="en-US" dirty="0"/>
+              <a:t>GITHUB-REPO: https://github.com/AndreWesterberg/MET.git</a:t>
+            </a:r>
+          </a:p>
+        </p:txBody>
+      </p:sp>
+    </p:spTree>
+    <p:extLst>
+      <p:ext uri="{BB962C8B-B14F-4D97-AF65-F5344CB8AC3E}">
+        <p14:creationId xmlns:p14="http://schemas.microsoft.com/office/powerpoint/2010/main" val="2514007193"/>
+      </p:ext>
+    </p:extLst>
+  </p:cSld>
+  <p:clrMapOvr>
+    <a:masterClrMapping/>
+  </p:clrMapOvr>
+</p:sld>
+</file>
+
+<file path=ppt/slides/slide14.xml><?xml version="1.0" encoding="utf-8"?>
+<p:sld xmlns:a="http://schemas.openxmlformats.org/drawingml/2006/main" xmlns:r="http://schemas.openxmlformats.org/officeDocument/2006/relationships" xmlns:p="http://schemas.openxmlformats.org/presentationml/2006/main">
+  <p:cSld>
+    <p:spTree>
+      <p:nvGrpSpPr>
+        <p:cNvPr id="1" name=""/>
+        <p:cNvGrpSpPr/>
+        <p:nvPr/>
+      </p:nvGrpSpPr>
+      <p:grpSpPr>
+        <a:xfrm>
+          <a:off x="0" y="0"/>
+          <a:ext cx="0" cy="0"/>
+          <a:chOff x="0" y="0"/>
+          <a:chExt cx="0" cy="0"/>
+        </a:xfrm>
+      </p:grpSpPr>
+      <p:sp>
+        <p:nvSpPr>
+          <p:cNvPr id="2" name="Title 1">
+            <a:extLst>
+              <a:ext uri="{FF2B5EF4-FFF2-40B4-BE49-F238E27FC236}">
                 <a16:creationId xmlns:a16="http://schemas.microsoft.com/office/drawing/2014/main" id="{A960F838-8869-D934-C4BB-BD71DE4408C2}"/>
               </a:ext>
             </a:extLst>
@@ -12850,6 +13709,12 @@
             <a:r>
               <a:rPr lang="en-US" dirty="0"/>
               <a:t>STOCKHOLM, GOTHENBURG, MALMOE, BERGEN, REYKJAVIK</a:t>
+            </a:r>
+          </a:p>
+          <a:p>
+            <a:r>
+              <a:rPr lang="en-US" dirty="0"/>
+              <a:t>DAG/AIRFLOW</a:t>
             </a:r>
           </a:p>
           <a:p>
@@ -13275,7 +14140,7 @@
           <p:cNvPr id="2" name="Title 1">
             <a:extLst>
               <a:ext uri="{FF2B5EF4-FFF2-40B4-BE49-F238E27FC236}">
-                <a16:creationId xmlns:a16="http://schemas.microsoft.com/office/drawing/2014/main" id="{11BD747D-2595-EFC5-18A1-1773C1A32479}"/>
+                <a16:creationId xmlns:a16="http://schemas.microsoft.com/office/drawing/2014/main" id="{AFDE652A-950E-2557-4C47-165D13535495}"/>
               </a:ext>
             </a:extLst>
           </p:cNvPr>
@@ -13286,30 +14151,52 @@
             <p:ph type="title"/>
           </p:nvPr>
         </p:nvSpPr>
+        <p:spPr/>
+        <p:txBody>
+          <a:bodyPr/>
+          <a:lstStyle/>
+          <a:p>
+            <a:r>
+              <a:rPr lang="en-US" dirty="0"/>
+              <a:t>SQL example</a:t>
+            </a:r>
+          </a:p>
+        </p:txBody>
+      </p:sp>
+      <p:pic>
+        <p:nvPicPr>
+          <p:cNvPr id="4" name="Picture 3">
+            <a:extLst>
+              <a:ext uri="{FF2B5EF4-FFF2-40B4-BE49-F238E27FC236}">
+                <a16:creationId xmlns:a16="http://schemas.microsoft.com/office/drawing/2014/main" id="{8FEA5696-FE6B-CD86-02B7-AF80C3AD6AB8}"/>
+              </a:ext>
+            </a:extLst>
+          </p:cNvPr>
+          <p:cNvPicPr>
+            <a:picLocks noChangeAspect="1"/>
+          </p:cNvPicPr>
+          <p:nvPr/>
+        </p:nvPicPr>
+        <p:blipFill>
+          <a:blip r:embed="rId2"/>
+          <a:stretch>
+            <a:fillRect/>
+          </a:stretch>
+        </p:blipFill>
         <p:spPr>
           <a:xfrm>
-            <a:off x="1141413" y="618518"/>
-            <a:ext cx="9905998" cy="5208124"/>
+            <a:off x="1141413" y="2093682"/>
+            <a:ext cx="4633362" cy="2667231"/>
           </a:xfrm>
+          <a:prstGeom prst="rect">
+            <a:avLst/>
+          </a:prstGeom>
         </p:spPr>
-        <p:txBody>
-          <a:bodyPr>
-            <a:normAutofit/>
-          </a:bodyPr>
-          <a:lstStyle/>
-          <a:p>
-            <a:pPr algn="ctr"/>
-            <a:r>
-              <a:rPr lang="en-US" sz="28700" dirty="0"/>
-              <a:t>demo</a:t>
-            </a:r>
-          </a:p>
-        </p:txBody>
-      </p:sp>
+      </p:pic>
     </p:spTree>
     <p:extLst>
       <p:ext uri="{BB962C8B-B14F-4D97-AF65-F5344CB8AC3E}">
-        <p14:creationId xmlns:p14="http://schemas.microsoft.com/office/powerpoint/2010/main" val="183288246"/>
+        <p14:creationId xmlns:p14="http://schemas.microsoft.com/office/powerpoint/2010/main" val="4154092609"/>
       </p:ext>
     </p:extLst>
   </p:cSld>
@@ -13341,7 +14228,7 @@
           <p:cNvPr id="2" name="Title 1">
             <a:extLst>
               <a:ext uri="{FF2B5EF4-FFF2-40B4-BE49-F238E27FC236}">
-                <a16:creationId xmlns:a16="http://schemas.microsoft.com/office/drawing/2014/main" id="{17B41720-5FAF-D44F-46FC-7D9179BBC43A}"/>
+                <a16:creationId xmlns:a16="http://schemas.microsoft.com/office/drawing/2014/main" id="{11BD747D-2595-EFC5-18A1-1773C1A32479}"/>
               </a:ext>
             </a:extLst>
           </p:cNvPr>
@@ -13352,75 +14239,22 @@
             <p:ph type="title"/>
           </p:nvPr>
         </p:nvSpPr>
-        <p:spPr/>
+        <p:spPr>
+          <a:xfrm>
+            <a:off x="1141413" y="618518"/>
+            <a:ext cx="9905998" cy="5208124"/>
+          </a:xfrm>
+        </p:spPr>
         <p:txBody>
-          <a:bodyPr/>
+          <a:bodyPr>
+            <a:normAutofit/>
+          </a:bodyPr>
           <a:lstStyle/>
           <a:p>
+            <a:pPr algn="ctr"/>
             <a:r>
-              <a:rPr lang="en-US" dirty="0"/>
-              <a:t>Experiences</a:t>
-            </a:r>
-          </a:p>
-        </p:txBody>
-      </p:sp>
-      <p:sp>
-        <p:nvSpPr>
-          <p:cNvPr id="3" name="Content Placeholder 2">
-            <a:extLst>
-              <a:ext uri="{FF2B5EF4-FFF2-40B4-BE49-F238E27FC236}">
-                <a16:creationId xmlns:a16="http://schemas.microsoft.com/office/drawing/2014/main" id="{DC47F3FF-BF43-CFC3-696D-1FB538EF5C54}"/>
-              </a:ext>
-            </a:extLst>
-          </p:cNvPr>
-          <p:cNvSpPr>
-            <a:spLocks noGrp="1"/>
-          </p:cNvSpPr>
-          <p:nvPr>
-            <p:ph idx="1"/>
-          </p:nvPr>
-        </p:nvSpPr>
-        <p:spPr/>
-        <p:txBody>
-          <a:bodyPr/>
-          <a:lstStyle/>
-          <a:p>
-            <a:r>
-              <a:rPr lang="en-US" dirty="0"/>
-              <a:t>ROLES</a:t>
-            </a:r>
-          </a:p>
-          <a:p>
-            <a:pPr lvl="1"/>
-            <a:r>
-              <a:rPr lang="en-US" dirty="0"/>
-              <a:t>GIT </a:t>
-            </a:r>
-          </a:p>
-          <a:p>
-            <a:pPr lvl="1"/>
-            <a:r>
-              <a:rPr lang="en-US" dirty="0"/>
-              <a:t>DAG/AIRFLOW</a:t>
-            </a:r>
-          </a:p>
-          <a:p>
-            <a:pPr lvl="1"/>
-            <a:r>
-              <a:rPr lang="en-US" dirty="0"/>
-              <a:t>CODE REVIEW</a:t>
-            </a:r>
-          </a:p>
-          <a:p>
-            <a:r>
-              <a:rPr lang="en-US" dirty="0"/>
-              <a:t>PYTHON</a:t>
-            </a:r>
-          </a:p>
-          <a:p>
-            <a:r>
-              <a:rPr lang="en-US" dirty="0"/>
-              <a:t>SQL</a:t>
+              <a:rPr lang="en-US" sz="28700" dirty="0"/>
+              <a:t>demo</a:t>
             </a:r>
           </a:p>
         </p:txBody>
@@ -13428,7 +14262,7 @@
     </p:spTree>
     <p:extLst>
       <p:ext uri="{BB962C8B-B14F-4D97-AF65-F5344CB8AC3E}">
-        <p14:creationId xmlns:p14="http://schemas.microsoft.com/office/powerpoint/2010/main" val="2791903042"/>
+        <p14:creationId xmlns:p14="http://schemas.microsoft.com/office/powerpoint/2010/main" val="183288246"/>
       </p:ext>
     </p:extLst>
   </p:cSld>
@@ -13460,7 +14294,7 @@
           <p:cNvPr id="2" name="Title 1">
             <a:extLst>
               <a:ext uri="{FF2B5EF4-FFF2-40B4-BE49-F238E27FC236}">
-                <a16:creationId xmlns:a16="http://schemas.microsoft.com/office/drawing/2014/main" id="{39D6C258-BF4D-0780-DB65-74ADA793F227}"/>
+                <a16:creationId xmlns:a16="http://schemas.microsoft.com/office/drawing/2014/main" id="{2DD3E4A4-F5E3-8502-AAAE-91552FCEA778}"/>
               </a:ext>
             </a:extLst>
           </p:cNvPr>
@@ -13478,83 +14312,105 @@
           <a:p>
             <a:r>
               <a:rPr lang="en-US" dirty="0"/>
-              <a:t>Experiences</a:t>
+              <a:t>visualization</a:t>
             </a:r>
           </a:p>
         </p:txBody>
       </p:sp>
-      <p:sp>
-        <p:nvSpPr>
-          <p:cNvPr id="3" name="Content Placeholder 2">
+      <p:pic>
+        <p:nvPicPr>
+          <p:cNvPr id="4" name="Picture 3">
             <a:extLst>
               <a:ext uri="{FF2B5EF4-FFF2-40B4-BE49-F238E27FC236}">
-                <a16:creationId xmlns:a16="http://schemas.microsoft.com/office/drawing/2014/main" id="{E3D06795-FDC6-55E9-6A2C-5A19385BABEE}"/>
+                <a16:creationId xmlns:a16="http://schemas.microsoft.com/office/drawing/2014/main" id="{D35C57A1-0A3D-11CE-94CE-A4CB3E9B5C20}"/>
               </a:ext>
             </a:extLst>
           </p:cNvPr>
-          <p:cNvSpPr>
-            <a:spLocks noGrp="1"/>
-          </p:cNvSpPr>
-          <p:nvPr>
-            <p:ph idx="1"/>
-          </p:nvPr>
-        </p:nvSpPr>
-        <p:spPr/>
-        <p:txBody>
-          <a:bodyPr>
-            <a:normAutofit lnSpcReduction="10000"/>
-          </a:bodyPr>
-          <a:lstStyle/>
-          <a:p>
-            <a:r>
-              <a:rPr lang="en-US" dirty="0"/>
-              <a:t>PROBLEMS</a:t>
-            </a:r>
-          </a:p>
-          <a:p>
-            <a:pPr lvl="1"/>
-            <a:r>
-              <a:rPr lang="en-US" dirty="0"/>
-              <a:t>PANDAS</a:t>
-            </a:r>
-          </a:p>
-          <a:p>
-            <a:pPr lvl="1"/>
-            <a:r>
-              <a:rPr lang="en-US" dirty="0"/>
-              <a:t>DAG/AIRFLOW</a:t>
-            </a:r>
-          </a:p>
-          <a:p>
-            <a:r>
-              <a:rPr lang="en-US" dirty="0"/>
-              <a:t>LISTS &amp; DICTIONARIES</a:t>
-            </a:r>
-          </a:p>
-          <a:p>
-            <a:r>
-              <a:rPr lang="en-US" dirty="0"/>
-              <a:t>USE EVERYONES BEST SKILLS</a:t>
-            </a:r>
-          </a:p>
-          <a:p>
-            <a:r>
-              <a:rPr lang="en-US" dirty="0"/>
-              <a:t>REGROUP AND PRIORITIZE OFTEN</a:t>
-            </a:r>
-          </a:p>
-          <a:p>
-            <a:r>
-              <a:rPr lang="en-US" dirty="0"/>
-              <a:t>GITHUB-REPO: https://github.com/AndreWesterberg/MET.git</a:t>
-            </a:r>
-          </a:p>
-        </p:txBody>
-      </p:sp>
+          <p:cNvPicPr>
+            <a:picLocks noChangeAspect="1"/>
+          </p:cNvPicPr>
+          <p:nvPr/>
+        </p:nvPicPr>
+        <p:blipFill>
+          <a:blip r:embed="rId2"/>
+          <a:stretch>
+            <a:fillRect/>
+          </a:stretch>
+        </p:blipFill>
+        <p:spPr>
+          <a:xfrm>
+            <a:off x="1141413" y="4628521"/>
+            <a:ext cx="2819644" cy="1044030"/>
+          </a:xfrm>
+          <a:prstGeom prst="rect">
+            <a:avLst/>
+          </a:prstGeom>
+        </p:spPr>
+      </p:pic>
+      <p:pic>
+        <p:nvPicPr>
+          <p:cNvPr id="6" name="Picture 5">
+            <a:extLst>
+              <a:ext uri="{FF2B5EF4-FFF2-40B4-BE49-F238E27FC236}">
+                <a16:creationId xmlns:a16="http://schemas.microsoft.com/office/drawing/2014/main" id="{5640AD3D-7A51-4373-7F35-A56715C81789}"/>
+              </a:ext>
+            </a:extLst>
+          </p:cNvPr>
+          <p:cNvPicPr>
+            <a:picLocks noChangeAspect="1"/>
+          </p:cNvPicPr>
+          <p:nvPr/>
+        </p:nvPicPr>
+        <p:blipFill>
+          <a:blip r:embed="rId3"/>
+          <a:stretch>
+            <a:fillRect/>
+          </a:stretch>
+        </p:blipFill>
+        <p:spPr>
+          <a:xfrm>
+            <a:off x="1141413" y="3920251"/>
+            <a:ext cx="5387807" cy="167655"/>
+          </a:xfrm>
+          <a:prstGeom prst="rect">
+            <a:avLst/>
+          </a:prstGeom>
+        </p:spPr>
+      </p:pic>
+      <p:pic>
+        <p:nvPicPr>
+          <p:cNvPr id="8" name="Picture 7">
+            <a:extLst>
+              <a:ext uri="{FF2B5EF4-FFF2-40B4-BE49-F238E27FC236}">
+                <a16:creationId xmlns:a16="http://schemas.microsoft.com/office/drawing/2014/main" id="{1F4E1909-4B3B-D2DE-6B8D-99B4BBA7C219}"/>
+              </a:ext>
+            </a:extLst>
+          </p:cNvPr>
+          <p:cNvPicPr>
+            <a:picLocks noChangeAspect="1"/>
+          </p:cNvPicPr>
+          <p:nvPr/>
+        </p:nvPicPr>
+        <p:blipFill>
+          <a:blip r:embed="rId4"/>
+          <a:stretch>
+            <a:fillRect/>
+          </a:stretch>
+        </p:blipFill>
+        <p:spPr>
+          <a:xfrm>
+            <a:off x="1141413" y="1935098"/>
+            <a:ext cx="4389500" cy="1455546"/>
+          </a:xfrm>
+          <a:prstGeom prst="rect">
+            <a:avLst/>
+          </a:prstGeom>
+        </p:spPr>
+      </p:pic>
     </p:spTree>
     <p:extLst>
       <p:ext uri="{BB962C8B-B14F-4D97-AF65-F5344CB8AC3E}">
-        <p14:creationId xmlns:p14="http://schemas.microsoft.com/office/powerpoint/2010/main" val="2514007193"/>
+        <p14:creationId xmlns:p14="http://schemas.microsoft.com/office/powerpoint/2010/main" val="1689534591"/>
       </p:ext>
     </p:extLst>
   </p:cSld>
@@ -13813,4 +14669,299 @@
     </a:ext>
   </a:extLst>
 </a:theme>
+</file>
+
+<file path=ppt/theme/theme2.xml><?xml version="1.0" encoding="utf-8"?>
+<a:theme xmlns:a="http://schemas.openxmlformats.org/drawingml/2006/main" name="Office Theme">
+  <a:themeElements>
+    <a:clrScheme name="Office">
+      <a:dk1>
+        <a:sysClr val="windowText" lastClr="000000"/>
+      </a:dk1>
+      <a:lt1>
+        <a:sysClr val="window" lastClr="FFFFFF"/>
+      </a:lt1>
+      <a:dk2>
+        <a:srgbClr val="44546A"/>
+      </a:dk2>
+      <a:lt2>
+        <a:srgbClr val="E7E6E6"/>
+      </a:lt2>
+      <a:accent1>
+        <a:srgbClr val="4472C4"/>
+      </a:accent1>
+      <a:accent2>
+        <a:srgbClr val="ED7D31"/>
+      </a:accent2>
+      <a:accent3>
+        <a:srgbClr val="A5A5A5"/>
+      </a:accent3>
+      <a:accent4>
+        <a:srgbClr val="FFC000"/>
+      </a:accent4>
+      <a:accent5>
+        <a:srgbClr val="5B9BD5"/>
+      </a:accent5>
+      <a:accent6>
+        <a:srgbClr val="70AD47"/>
+      </a:accent6>
+      <a:hlink>
+        <a:srgbClr val="0563C1"/>
+      </a:hlink>
+      <a:folHlink>
+        <a:srgbClr val="954F72"/>
+      </a:folHlink>
+    </a:clrScheme>
+    <a:fontScheme name="Office">
+      <a:majorFont>
+        <a:latin typeface="Calibri Light" panose="020F0302020204030204"/>
+        <a:ea typeface=""/>
+        <a:cs typeface=""/>
+        <a:font script="Jpan" typeface="游ゴシック Light"/>
+        <a:font script="Hang" typeface="맑은 고딕"/>
+        <a:font script="Hans" typeface="等线 Light"/>
+        <a:font script="Hant" typeface="新細明體"/>
+        <a:font script="Arab" typeface="Times New Roman"/>
+        <a:font script="Hebr" typeface="Times New Roman"/>
+        <a:font script="Thai" typeface="Angsana New"/>
+        <a:font script="Ethi" typeface="Nyala"/>
+        <a:font script="Beng" typeface="Vrinda"/>
+        <a:font script="Gujr" typeface="Shruti"/>
+        <a:font script="Khmr" typeface="MoolBoran"/>
+        <a:font script="Knda" typeface="Tunga"/>
+        <a:font script="Guru" typeface="Raavi"/>
+        <a:font script="Cans" typeface="Euphemia"/>
+        <a:font script="Cher" typeface="Plantagenet Cherokee"/>
+        <a:font script="Yiii" typeface="Microsoft Yi Baiti"/>
+        <a:font script="Tibt" typeface="Microsoft Himalaya"/>
+        <a:font script="Thaa" typeface="MV Boli"/>
+        <a:font script="Deva" typeface="Mangal"/>
+        <a:font script="Telu" typeface="Gautami"/>
+        <a:font script="Taml" typeface="Latha"/>
+        <a:font script="Syrc" typeface="Estrangelo Edessa"/>
+        <a:font script="Orya" typeface="Kalinga"/>
+        <a:font script="Mlym" typeface="Kartika"/>
+        <a:font script="Laoo" typeface="DokChampa"/>
+        <a:font script="Sinh" typeface="Iskoola Pota"/>
+        <a:font script="Mong" typeface="Mongolian Baiti"/>
+        <a:font script="Viet" typeface="Times New Roman"/>
+        <a:font script="Uigh" typeface="Microsoft Uighur"/>
+        <a:font script="Geor" typeface="Sylfaen"/>
+        <a:font script="Armn" typeface="Arial"/>
+        <a:font script="Bugi" typeface="Leelawadee UI"/>
+        <a:font script="Bopo" typeface="Microsoft JhengHei"/>
+        <a:font script="Java" typeface="Javanese Text"/>
+        <a:font script="Lisu" typeface="Segoe UI"/>
+        <a:font script="Mymr" typeface="Myanmar Text"/>
+        <a:font script="Nkoo" typeface="Ebrima"/>
+        <a:font script="Olck" typeface="Nirmala UI"/>
+        <a:font script="Osma" typeface="Ebrima"/>
+        <a:font script="Phag" typeface="Phagspa"/>
+        <a:font script="Syrn" typeface="Estrangelo Edessa"/>
+        <a:font script="Syrj" typeface="Estrangelo Edessa"/>
+        <a:font script="Syre" typeface="Estrangelo Edessa"/>
+        <a:font script="Sora" typeface="Nirmala UI"/>
+        <a:font script="Tale" typeface="Microsoft Tai Le"/>
+        <a:font script="Talu" typeface="Microsoft New Tai Lue"/>
+        <a:font script="Tfng" typeface="Ebrima"/>
+      </a:majorFont>
+      <a:minorFont>
+        <a:latin typeface="Calibri" panose="020F0502020204030204"/>
+        <a:ea typeface=""/>
+        <a:cs typeface=""/>
+        <a:font script="Jpan" typeface="游ゴシック"/>
+        <a:font script="Hang" typeface="맑은 고딕"/>
+        <a:font script="Hans" typeface="等线"/>
+        <a:font script="Hant" typeface="新細明體"/>
+        <a:font script="Arab" typeface="Arial"/>
+        <a:font script="Hebr" typeface="Arial"/>
+        <a:font script="Thai" typeface="Cordia New"/>
+        <a:font script="Ethi" typeface="Nyala"/>
+        <a:font script="Beng" typeface="Vrinda"/>
+        <a:font script="Gujr" typeface="Shruti"/>
+        <a:font script="Khmr" typeface="DaunPenh"/>
+        <a:font script="Knda" typeface="Tunga"/>
+        <a:font script="Guru" typeface="Raavi"/>
+        <a:font script="Cans" typeface="Euphemia"/>
+        <a:font script="Cher" typeface="Plantagenet Cherokee"/>
+        <a:font script="Yiii" typeface="Microsoft Yi Baiti"/>
+        <a:font script="Tibt" typeface="Microsoft Himalaya"/>
+        <a:font script="Thaa" typeface="MV Boli"/>
+        <a:font script="Deva" typeface="Mangal"/>
+        <a:font script="Telu" typeface="Gautami"/>
+        <a:font script="Taml" typeface="Latha"/>
+        <a:font script="Syrc" typeface="Estrangelo Edessa"/>
+        <a:font script="Orya" typeface="Kalinga"/>
+        <a:font script="Mlym" typeface="Kartika"/>
+        <a:font script="Laoo" typeface="DokChampa"/>
+        <a:font script="Sinh" typeface="Iskoola Pota"/>
+        <a:font script="Mong" typeface="Mongolian Baiti"/>
+        <a:font script="Viet" typeface="Arial"/>
+        <a:font script="Uigh" typeface="Microsoft Uighur"/>
+        <a:font script="Geor" typeface="Sylfaen"/>
+        <a:font script="Armn" typeface="Arial"/>
+        <a:font script="Bugi" typeface="Leelawadee UI"/>
+        <a:font script="Bopo" typeface="Microsoft JhengHei"/>
+        <a:font script="Java" typeface="Javanese Text"/>
+        <a:font script="Lisu" typeface="Segoe UI"/>
+        <a:font script="Mymr" typeface="Myanmar Text"/>
+        <a:font script="Nkoo" typeface="Ebrima"/>
+        <a:font script="Olck" typeface="Nirmala UI"/>
+        <a:font script="Osma" typeface="Ebrima"/>
+        <a:font script="Phag" typeface="Phagspa"/>
+        <a:font script="Syrn" typeface="Estrangelo Edessa"/>
+        <a:font script="Syrj" typeface="Estrangelo Edessa"/>
+        <a:font script="Syre" typeface="Estrangelo Edessa"/>
+        <a:font script="Sora" typeface="Nirmala UI"/>
+        <a:font script="Tale" typeface="Microsoft Tai Le"/>
+        <a:font script="Talu" typeface="Microsoft New Tai Lue"/>
+        <a:font script="Tfng" typeface="Ebrima"/>
+      </a:minorFont>
+    </a:fontScheme>
+    <a:fmtScheme name="Office">
+      <a:fillStyleLst>
+        <a:solidFill>
+          <a:schemeClr val="phClr"/>
+        </a:solidFill>
+        <a:gradFill rotWithShape="1">
+          <a:gsLst>
+            <a:gs pos="0">
+              <a:schemeClr val="phClr">
+                <a:lumMod val="110000"/>
+                <a:satMod val="105000"/>
+                <a:tint val="67000"/>
+              </a:schemeClr>
+            </a:gs>
+            <a:gs pos="50000">
+              <a:schemeClr val="phClr">
+                <a:lumMod val="105000"/>
+                <a:satMod val="103000"/>
+                <a:tint val="73000"/>
+              </a:schemeClr>
+            </a:gs>
+            <a:gs pos="100000">
+              <a:schemeClr val="phClr">
+                <a:lumMod val="105000"/>
+                <a:satMod val="109000"/>
+                <a:tint val="81000"/>
+              </a:schemeClr>
+            </a:gs>
+          </a:gsLst>
+          <a:lin ang="5400000" scaled="0"/>
+        </a:gradFill>
+        <a:gradFill rotWithShape="1">
+          <a:gsLst>
+            <a:gs pos="0">
+              <a:schemeClr val="phClr">
+                <a:satMod val="103000"/>
+                <a:lumMod val="102000"/>
+                <a:tint val="94000"/>
+              </a:schemeClr>
+            </a:gs>
+            <a:gs pos="50000">
+              <a:schemeClr val="phClr">
+                <a:satMod val="110000"/>
+                <a:lumMod val="100000"/>
+                <a:shade val="100000"/>
+              </a:schemeClr>
+            </a:gs>
+            <a:gs pos="100000">
+              <a:schemeClr val="phClr">
+                <a:lumMod val="99000"/>
+                <a:satMod val="120000"/>
+                <a:shade val="78000"/>
+              </a:schemeClr>
+            </a:gs>
+          </a:gsLst>
+          <a:lin ang="5400000" scaled="0"/>
+        </a:gradFill>
+      </a:fillStyleLst>
+      <a:lnStyleLst>
+        <a:ln w="6350" cap="flat" cmpd="sng" algn="ctr">
+          <a:solidFill>
+            <a:schemeClr val="phClr"/>
+          </a:solidFill>
+          <a:prstDash val="solid"/>
+          <a:miter lim="800000"/>
+        </a:ln>
+        <a:ln w="12700" cap="flat" cmpd="sng" algn="ctr">
+          <a:solidFill>
+            <a:schemeClr val="phClr"/>
+          </a:solidFill>
+          <a:prstDash val="solid"/>
+          <a:miter lim="800000"/>
+        </a:ln>
+        <a:ln w="19050" cap="flat" cmpd="sng" algn="ctr">
+          <a:solidFill>
+            <a:schemeClr val="phClr"/>
+          </a:solidFill>
+          <a:prstDash val="solid"/>
+          <a:miter lim="800000"/>
+        </a:ln>
+      </a:lnStyleLst>
+      <a:effectStyleLst>
+        <a:effectStyle>
+          <a:effectLst/>
+        </a:effectStyle>
+        <a:effectStyle>
+          <a:effectLst/>
+        </a:effectStyle>
+        <a:effectStyle>
+          <a:effectLst>
+            <a:outerShdw blurRad="57150" dist="19050" dir="5400000" algn="ctr" rotWithShape="0">
+              <a:srgbClr val="000000">
+                <a:alpha val="63000"/>
+              </a:srgbClr>
+            </a:outerShdw>
+          </a:effectLst>
+        </a:effectStyle>
+      </a:effectStyleLst>
+      <a:bgFillStyleLst>
+        <a:solidFill>
+          <a:schemeClr val="phClr"/>
+        </a:solidFill>
+        <a:solidFill>
+          <a:schemeClr val="phClr">
+            <a:tint val="95000"/>
+            <a:satMod val="170000"/>
+          </a:schemeClr>
+        </a:solidFill>
+        <a:gradFill rotWithShape="1">
+          <a:gsLst>
+            <a:gs pos="0">
+              <a:schemeClr val="phClr">
+                <a:tint val="93000"/>
+                <a:satMod val="150000"/>
+                <a:shade val="98000"/>
+                <a:lumMod val="102000"/>
+              </a:schemeClr>
+            </a:gs>
+            <a:gs pos="50000">
+              <a:schemeClr val="phClr">
+                <a:tint val="98000"/>
+                <a:satMod val="130000"/>
+                <a:shade val="90000"/>
+                <a:lumMod val="103000"/>
+              </a:schemeClr>
+            </a:gs>
+            <a:gs pos="100000">
+              <a:schemeClr val="phClr">
+                <a:shade val="63000"/>
+                <a:satMod val="120000"/>
+              </a:schemeClr>
+            </a:gs>
+          </a:gsLst>
+          <a:lin ang="5400000" scaled="0"/>
+        </a:gradFill>
+      </a:bgFillStyleLst>
+    </a:fmtScheme>
+  </a:themeElements>
+  <a:objectDefaults/>
+  <a:extraClrSchemeLst/>
+  <a:extLst>
+    <a:ext uri="{05A4C25C-085E-4340-85A3-A5531E510DB2}">
+      <thm15:themeFamily xmlns:thm15="http://schemas.microsoft.com/office/thememl/2012/main" name="Office Theme 2013 - 2022" id="{62F939B6-93AF-4DB8-9C6B-D6C7DFDC589F}" vid="{4A3C46E8-61CC-4603-A589-7422A47A8E4A}"/>
+    </a:ext>
+  </a:extLst>
+</a:theme>
 </file>